--- a/Calendario/Presentaciones/12_Archivos.pptx
+++ b/Calendario/Presentaciones/12_Archivos.pptx
@@ -5,7 +5,7 @@
     <p:sldMasterId id="2147483648" r:id="rId1"/>
   </p:sldMasterIdLst>
   <p:notesMasterIdLst>
-    <p:notesMasterId r:id="rId26"/>
+    <p:notesMasterId r:id="rId24"/>
   </p:notesMasterIdLst>
   <p:sldIdLst>
     <p:sldId id="283" r:id="rId2"/>
@@ -29,9 +29,7 @@
     <p:sldId id="298" r:id="rId20"/>
     <p:sldId id="274" r:id="rId21"/>
     <p:sldId id="301" r:id="rId22"/>
-    <p:sldId id="313" r:id="rId23"/>
-    <p:sldId id="302" r:id="rId24"/>
-    <p:sldId id="282" r:id="rId25"/>
+    <p:sldId id="282" r:id="rId23"/>
   </p:sldIdLst>
   <p:sldSz cx="9144000" cy="6858000" type="screen4x3"/>
   <p:notesSz cx="6858000" cy="9144000"/>
@@ -231,7 +229,7 @@
           <a:p>
             <a:fld id="{59C7E2AA-6A4C-4042-9554-ED2A913B287A}" type="datetimeFigureOut">
               <a:rPr lang="es-MX" smtClean="0"/>
-              <a:t>20/01/2022</a:t>
+              <a:t>12/05/2022</a:t>
             </a:fld>
             <a:endParaRPr lang="es-MX" dirty="0"/>
           </a:p>
@@ -1810,140 +1808,6 @@
 </p:notes>
 </file>
 
-<file path=ppt/notesSlides/notesSlide19.xml><?xml version="1.0" encoding="utf-8"?>
-<p:notes xmlns:a="http://schemas.openxmlformats.org/drawingml/2006/main" xmlns:r="http://schemas.openxmlformats.org/officeDocument/2006/relationships" xmlns:p="http://schemas.openxmlformats.org/presentationml/2006/main">
-  <p:cSld>
-    <p:spTree>
-      <p:nvGrpSpPr>
-        <p:cNvPr id="1" name=""/>
-        <p:cNvGrpSpPr/>
-        <p:nvPr/>
-      </p:nvGrpSpPr>
-      <p:grpSpPr>
-        <a:xfrm>
-          <a:off x="0" y="0"/>
-          <a:ext cx="0" cy="0"/>
-          <a:chOff x="0" y="0"/>
-          <a:chExt cx="0" cy="0"/>
-        </a:xfrm>
-      </p:grpSpPr>
-      <p:sp>
-        <p:nvSpPr>
-          <p:cNvPr id="36866" name="Rectangle 2"/>
-          <p:cNvSpPr>
-            <a:spLocks noGrp="1" noRot="1" noChangeAspect="1" noChangeArrowheads="1" noTextEdit="1"/>
-          </p:cNvSpPr>
-          <p:nvPr>
-            <p:ph type="sldImg"/>
-          </p:nvPr>
-        </p:nvSpPr>
-        <p:spPr bwMode="auto">
-          <a:xfrm>
-            <a:off x="1144588" y="685800"/>
-            <a:ext cx="4568825" cy="3427413"/>
-          </a:xfrm>
-          <a:prstGeom prst="rect">
-            <a:avLst/>
-          </a:prstGeom>
-          <a:noFill/>
-          <a:ln w="12700">
-            <a:solidFill>
-              <a:srgbClr val="000000"/>
-            </a:solidFill>
-            <a:miter lim="800000"/>
-            <a:headEnd/>
-            <a:tailEnd/>
-          </a:ln>
-          <a:extLst>
-            <a:ext uri="{909E8E84-426E-40DD-AFC4-6F175D3DCCD1}">
-              <a14:hiddenFill xmlns:a14="http://schemas.microsoft.com/office/drawing/2010/main">
-                <a:solidFill>
-                  <a:srgbClr val="FFFFFF"/>
-                </a:solidFill>
-              </a14:hiddenFill>
-            </a:ext>
-            <a:ext uri="{AF507438-7753-43E0-B8FC-AC1667EBCBE1}">
-              <a14:hiddenEffects xmlns:a14="http://schemas.microsoft.com/office/drawing/2010/main">
-                <a:effectLst>
-                  <a:outerShdw dist="35921" dir="2700000" algn="ctr" rotWithShape="0">
-                    <a:srgbClr val="808080"/>
-                  </a:outerShdw>
-                </a:effectLst>
-              </a14:hiddenEffects>
-            </a:ext>
-            <a:ext uri="{53640926-AAD7-44D8-BBD7-CCE9431645EC}">
-              <a14:shadowObscured xmlns:a14="http://schemas.microsoft.com/office/drawing/2010/main" val="1"/>
-            </a:ext>
-          </a:extLst>
-        </p:spPr>
-      </p:sp>
-      <p:sp>
-        <p:nvSpPr>
-          <p:cNvPr id="36867" name="Rectangle 3"/>
-          <p:cNvSpPr>
-            <a:spLocks noGrp="1" noChangeArrowheads="1"/>
-          </p:cNvSpPr>
-          <p:nvPr>
-            <p:ph type="body" idx="1"/>
-          </p:nvPr>
-        </p:nvSpPr>
-        <p:spPr bwMode="auto">
-          <a:xfrm>
-            <a:off x="914920" y="4346020"/>
-            <a:ext cx="5028161" cy="4111437"/>
-          </a:xfrm>
-          <a:prstGeom prst="rect">
-            <a:avLst/>
-          </a:prstGeom>
-          <a:solidFill>
-            <a:srgbClr val="FFFFFF"/>
-          </a:solidFill>
-          <a:ln w="12700">
-            <a:solidFill>
-              <a:srgbClr val="000000"/>
-            </a:solidFill>
-            <a:miter lim="800000"/>
-            <a:headEnd/>
-            <a:tailEnd/>
-          </a:ln>
-          <a:extLst>
-            <a:ext uri="{AF507438-7753-43E0-B8FC-AC1667EBCBE1}">
-              <a14:hiddenEffects xmlns:a14="http://schemas.microsoft.com/office/drawing/2010/main">
-                <a:effectLst>
-                  <a:outerShdw dist="35921" dir="2700000" algn="ctr" rotWithShape="0">
-                    <a:schemeClr val="bg2"/>
-                  </a:outerShdw>
-                </a:effectLst>
-              </a14:hiddenEffects>
-            </a:ext>
-          </a:extLst>
-        </p:spPr>
-        <p:txBody>
-          <a:bodyPr lIns="90574" tIns="45288" rIns="90574" bIns="45288"/>
-          <a:lstStyle/>
-          <a:p>
-            <a:pPr defTabSz="899495">
-              <a:spcBef>
-                <a:spcPct val="0"/>
-              </a:spcBef>
-            </a:pPr>
-            <a:endParaRPr lang="es-MX" dirty="0"/>
-          </a:p>
-        </p:txBody>
-      </p:sp>
-    </p:spTree>
-    <p:extLst>
-      <p:ext uri="{BB962C8B-B14F-4D97-AF65-F5344CB8AC3E}">
-        <p14:creationId xmlns:p14="http://schemas.microsoft.com/office/powerpoint/2010/main" val="1409629170"/>
-      </p:ext>
-    </p:extLst>
-  </p:cSld>
-  <p:clrMapOvr>
-    <a:masterClrMapping/>
-  </p:clrMapOvr>
-</p:notes>
-</file>
-
 <file path=ppt/notesSlides/notesSlide2.xml><?xml version="1.0" encoding="utf-8"?>
 <p:notes xmlns:a="http://schemas.openxmlformats.org/drawingml/2006/main" xmlns:r="http://schemas.openxmlformats.org/officeDocument/2006/relationships" xmlns:p="http://schemas.openxmlformats.org/presentationml/2006/main">
   <p:cSld>
@@ -2072,140 +1936,6 @@
     <p:extLst>
       <p:ext uri="{BB962C8B-B14F-4D97-AF65-F5344CB8AC3E}">
         <p14:creationId xmlns:p14="http://schemas.microsoft.com/office/powerpoint/2010/main" val="1583099121"/>
-      </p:ext>
-    </p:extLst>
-  </p:cSld>
-  <p:clrMapOvr>
-    <a:masterClrMapping/>
-  </p:clrMapOvr>
-</p:notes>
-</file>
-
-<file path=ppt/notesSlides/notesSlide20.xml><?xml version="1.0" encoding="utf-8"?>
-<p:notes xmlns:a="http://schemas.openxmlformats.org/drawingml/2006/main" xmlns:r="http://schemas.openxmlformats.org/officeDocument/2006/relationships" xmlns:p="http://schemas.openxmlformats.org/presentationml/2006/main">
-  <p:cSld>
-    <p:spTree>
-      <p:nvGrpSpPr>
-        <p:cNvPr id="1" name=""/>
-        <p:cNvGrpSpPr/>
-        <p:nvPr/>
-      </p:nvGrpSpPr>
-      <p:grpSpPr>
-        <a:xfrm>
-          <a:off x="0" y="0"/>
-          <a:ext cx="0" cy="0"/>
-          <a:chOff x="0" y="0"/>
-          <a:chExt cx="0" cy="0"/>
-        </a:xfrm>
-      </p:grpSpPr>
-      <p:sp>
-        <p:nvSpPr>
-          <p:cNvPr id="36866" name="Rectangle 2"/>
-          <p:cNvSpPr>
-            <a:spLocks noGrp="1" noRot="1" noChangeAspect="1" noChangeArrowheads="1" noTextEdit="1"/>
-          </p:cNvSpPr>
-          <p:nvPr>
-            <p:ph type="sldImg"/>
-          </p:nvPr>
-        </p:nvSpPr>
-        <p:spPr bwMode="auto">
-          <a:xfrm>
-            <a:off x="1144588" y="685800"/>
-            <a:ext cx="4568825" cy="3427413"/>
-          </a:xfrm>
-          <a:prstGeom prst="rect">
-            <a:avLst/>
-          </a:prstGeom>
-          <a:noFill/>
-          <a:ln w="12700">
-            <a:solidFill>
-              <a:srgbClr val="000000"/>
-            </a:solidFill>
-            <a:miter lim="800000"/>
-            <a:headEnd/>
-            <a:tailEnd/>
-          </a:ln>
-          <a:extLst>
-            <a:ext uri="{909E8E84-426E-40DD-AFC4-6F175D3DCCD1}">
-              <a14:hiddenFill xmlns:a14="http://schemas.microsoft.com/office/drawing/2010/main">
-                <a:solidFill>
-                  <a:srgbClr val="FFFFFF"/>
-                </a:solidFill>
-              </a14:hiddenFill>
-            </a:ext>
-            <a:ext uri="{AF507438-7753-43E0-B8FC-AC1667EBCBE1}">
-              <a14:hiddenEffects xmlns:a14="http://schemas.microsoft.com/office/drawing/2010/main">
-                <a:effectLst>
-                  <a:outerShdw dist="35921" dir="2700000" algn="ctr" rotWithShape="0">
-                    <a:srgbClr val="808080"/>
-                  </a:outerShdw>
-                </a:effectLst>
-              </a14:hiddenEffects>
-            </a:ext>
-            <a:ext uri="{53640926-AAD7-44D8-BBD7-CCE9431645EC}">
-              <a14:shadowObscured xmlns:a14="http://schemas.microsoft.com/office/drawing/2010/main" val="1"/>
-            </a:ext>
-          </a:extLst>
-        </p:spPr>
-      </p:sp>
-      <p:sp>
-        <p:nvSpPr>
-          <p:cNvPr id="36867" name="Rectangle 3"/>
-          <p:cNvSpPr>
-            <a:spLocks noGrp="1" noChangeArrowheads="1"/>
-          </p:cNvSpPr>
-          <p:nvPr>
-            <p:ph type="body" idx="1"/>
-          </p:nvPr>
-        </p:nvSpPr>
-        <p:spPr bwMode="auto">
-          <a:xfrm>
-            <a:off x="914920" y="4346020"/>
-            <a:ext cx="5028161" cy="4111437"/>
-          </a:xfrm>
-          <a:prstGeom prst="rect">
-            <a:avLst/>
-          </a:prstGeom>
-          <a:solidFill>
-            <a:srgbClr val="FFFFFF"/>
-          </a:solidFill>
-          <a:ln w="12700">
-            <a:solidFill>
-              <a:srgbClr val="000000"/>
-            </a:solidFill>
-            <a:miter lim="800000"/>
-            <a:headEnd/>
-            <a:tailEnd/>
-          </a:ln>
-          <a:extLst>
-            <a:ext uri="{AF507438-7753-43E0-B8FC-AC1667EBCBE1}">
-              <a14:hiddenEffects xmlns:a14="http://schemas.microsoft.com/office/drawing/2010/main">
-                <a:effectLst>
-                  <a:outerShdw dist="35921" dir="2700000" algn="ctr" rotWithShape="0">
-                    <a:schemeClr val="bg2"/>
-                  </a:outerShdw>
-                </a:effectLst>
-              </a14:hiddenEffects>
-            </a:ext>
-          </a:extLst>
-        </p:spPr>
-        <p:txBody>
-          <a:bodyPr lIns="90574" tIns="45288" rIns="90574" bIns="45288"/>
-          <a:lstStyle/>
-          <a:p>
-            <a:pPr defTabSz="899495">
-              <a:spcBef>
-                <a:spcPct val="0"/>
-              </a:spcBef>
-            </a:pPr>
-            <a:endParaRPr lang="es-MX" dirty="0"/>
-          </a:p>
-        </p:txBody>
-      </p:sp>
-    </p:spTree>
-    <p:extLst>
-      <p:ext uri="{BB962C8B-B14F-4D97-AF65-F5344CB8AC3E}">
-        <p14:creationId xmlns:p14="http://schemas.microsoft.com/office/powerpoint/2010/main" val="44112642"/>
       </p:ext>
     </p:extLst>
   </p:cSld>
@@ -3352,7 +3082,7 @@
           <a:p>
             <a:fld id="{BAE3B62E-9D6B-4C41-BFE5-D19C53A0513B}" type="datetimeFigureOut">
               <a:rPr lang="es-MX" smtClean="0"/>
-              <a:t>20/01/2022</a:t>
+              <a:t>12/05/2022</a:t>
             </a:fld>
             <a:endParaRPr lang="es-MX" dirty="0"/>
           </a:p>
@@ -3522,7 +3252,7 @@
           <a:p>
             <a:fld id="{BAE3B62E-9D6B-4C41-BFE5-D19C53A0513B}" type="datetimeFigureOut">
               <a:rPr lang="es-MX" smtClean="0"/>
-              <a:t>20/01/2022</a:t>
+              <a:t>12/05/2022</a:t>
             </a:fld>
             <a:endParaRPr lang="es-MX" dirty="0"/>
           </a:p>
@@ -3702,7 +3432,7 @@
           <a:p>
             <a:fld id="{BAE3B62E-9D6B-4C41-BFE5-D19C53A0513B}" type="datetimeFigureOut">
               <a:rPr lang="es-MX" smtClean="0"/>
-              <a:t>20/01/2022</a:t>
+              <a:t>12/05/2022</a:t>
             </a:fld>
             <a:endParaRPr lang="es-MX" dirty="0"/>
           </a:p>
@@ -3855,7 +3585,7 @@
           <a:p>
             <a:fld id="{1D8BD707-D9CF-40AE-B4C6-C98DA3205C09}" type="datetimeFigureOut">
               <a:rPr lang="en-US" smtClean="0"/>
-              <a:t>1/20/2022</a:t>
+              <a:t>5/12/2022</a:t>
             </a:fld>
             <a:endParaRPr lang="en-US"/>
           </a:p>
@@ -4015,7 +3745,7 @@
           <a:p>
             <a:fld id="{BAE3B62E-9D6B-4C41-BFE5-D19C53A0513B}" type="datetimeFigureOut">
               <a:rPr lang="es-MX" smtClean="0"/>
-              <a:t>20/01/2022</a:t>
+              <a:t>12/05/2022</a:t>
             </a:fld>
             <a:endParaRPr lang="es-MX" dirty="0"/>
           </a:p>
@@ -4261,7 +3991,7 @@
           <a:p>
             <a:fld id="{BAE3B62E-9D6B-4C41-BFE5-D19C53A0513B}" type="datetimeFigureOut">
               <a:rPr lang="es-MX" smtClean="0"/>
-              <a:t>20/01/2022</a:t>
+              <a:t>12/05/2022</a:t>
             </a:fld>
             <a:endParaRPr lang="es-MX" dirty="0"/>
           </a:p>
@@ -4549,7 +4279,7 @@
           <a:p>
             <a:fld id="{BAE3B62E-9D6B-4C41-BFE5-D19C53A0513B}" type="datetimeFigureOut">
               <a:rPr lang="es-MX" smtClean="0"/>
-              <a:t>20/01/2022</a:t>
+              <a:t>12/05/2022</a:t>
             </a:fld>
             <a:endParaRPr lang="es-MX" dirty="0"/>
           </a:p>
@@ -4971,7 +4701,7 @@
           <a:p>
             <a:fld id="{BAE3B62E-9D6B-4C41-BFE5-D19C53A0513B}" type="datetimeFigureOut">
               <a:rPr lang="es-MX" smtClean="0"/>
-              <a:t>20/01/2022</a:t>
+              <a:t>12/05/2022</a:t>
             </a:fld>
             <a:endParaRPr lang="es-MX" dirty="0"/>
           </a:p>
@@ -5089,7 +4819,7 @@
           <a:p>
             <a:fld id="{BAE3B62E-9D6B-4C41-BFE5-D19C53A0513B}" type="datetimeFigureOut">
               <a:rPr lang="es-MX" smtClean="0"/>
-              <a:t>20/01/2022</a:t>
+              <a:t>12/05/2022</a:t>
             </a:fld>
             <a:endParaRPr lang="es-MX" dirty="0"/>
           </a:p>
@@ -5184,7 +4914,7 @@
           <a:p>
             <a:fld id="{BAE3B62E-9D6B-4C41-BFE5-D19C53A0513B}" type="datetimeFigureOut">
               <a:rPr lang="es-MX" smtClean="0"/>
-              <a:t>20/01/2022</a:t>
+              <a:t>12/05/2022</a:t>
             </a:fld>
             <a:endParaRPr lang="es-MX" dirty="0"/>
           </a:p>
@@ -5461,7 +5191,7 @@
           <a:p>
             <a:fld id="{BAE3B62E-9D6B-4C41-BFE5-D19C53A0513B}" type="datetimeFigureOut">
               <a:rPr lang="es-MX" smtClean="0"/>
-              <a:t>20/01/2022</a:t>
+              <a:t>12/05/2022</a:t>
             </a:fld>
             <a:endParaRPr lang="es-MX" dirty="0"/>
           </a:p>
@@ -5714,7 +5444,7 @@
           <a:p>
             <a:fld id="{BAE3B62E-9D6B-4C41-BFE5-D19C53A0513B}" type="datetimeFigureOut">
               <a:rPr lang="es-MX" smtClean="0"/>
-              <a:t>20/01/2022</a:t>
+              <a:t>12/05/2022</a:t>
             </a:fld>
             <a:endParaRPr lang="es-MX" dirty="0"/>
           </a:p>
@@ -5927,7 +5657,7 @@
           <a:p>
             <a:fld id="{BAE3B62E-9D6B-4C41-BFE5-D19C53A0513B}" type="datetimeFigureOut">
               <a:rPr lang="es-MX" smtClean="0"/>
-              <a:t>20/01/2022</a:t>
+              <a:t>12/05/2022</a:t>
             </a:fld>
             <a:endParaRPr lang="es-MX" dirty="0"/>
           </a:p>
@@ -16221,2178 +15951,6 @@
 </file>
 
 <file path=ppt/slides/slide22.xml><?xml version="1.0" encoding="utf-8"?>
-<p:sld xmlns:a="http://schemas.openxmlformats.org/drawingml/2006/main" xmlns:r="http://schemas.openxmlformats.org/officeDocument/2006/relationships" xmlns:p="http://schemas.openxmlformats.org/presentationml/2006/main">
-  <p:cSld>
-    <p:spTree>
-      <p:nvGrpSpPr>
-        <p:cNvPr id="1" name=""/>
-        <p:cNvGrpSpPr/>
-        <p:nvPr/>
-      </p:nvGrpSpPr>
-      <p:grpSpPr>
-        <a:xfrm>
-          <a:off x="0" y="0"/>
-          <a:ext cx="0" cy="0"/>
-          <a:chOff x="0" y="0"/>
-          <a:chExt cx="0" cy="0"/>
-        </a:xfrm>
-      </p:grpSpPr>
-      <p:sp>
-        <p:nvSpPr>
-          <p:cNvPr id="13" name="Rectangle 2"/>
-          <p:cNvSpPr>
-            <a:spLocks noChangeArrowheads="1"/>
-          </p:cNvSpPr>
-          <p:nvPr/>
-        </p:nvSpPr>
-        <p:spPr bwMode="auto">
-          <a:xfrm>
-            <a:off x="431799" y="260648"/>
-            <a:ext cx="8280400" cy="936104"/>
-          </a:xfrm>
-          <a:prstGeom prst="rect">
-            <a:avLst/>
-          </a:prstGeom>
-          <a:noFill/>
-          <a:ln>
-            <a:noFill/>
-          </a:ln>
-          <a:effectLst/>
-          <a:extLst>
-            <a:ext uri="{909E8E84-426E-40DD-AFC4-6F175D3DCCD1}">
-              <a14:hiddenFill xmlns:a14="http://schemas.microsoft.com/office/drawing/2010/main">
-                <a:solidFill>
-                  <a:schemeClr val="accent1"/>
-                </a:solidFill>
-              </a14:hiddenFill>
-            </a:ext>
-            <a:ext uri="{91240B29-F687-4F45-9708-019B960494DF}">
-              <a14:hiddenLine xmlns:a14="http://schemas.microsoft.com/office/drawing/2010/main" w="9525">
-                <a:solidFill>
-                  <a:schemeClr val="tx1"/>
-                </a:solidFill>
-                <a:miter lim="800000"/>
-                <a:headEnd/>
-                <a:tailEnd/>
-              </a14:hiddenLine>
-            </a:ext>
-            <a:ext uri="{AF507438-7753-43E0-B8FC-AC1667EBCBE1}">
-              <a14:hiddenEffects xmlns:a14="http://schemas.microsoft.com/office/drawing/2010/main">
-                <a:effectLst>
-                  <a:outerShdw dist="35921" dir="2700000" algn="ctr" rotWithShape="0">
-                    <a:schemeClr val="bg2"/>
-                  </a:outerShdw>
-                </a:effectLst>
-              </a14:hiddenEffects>
-            </a:ext>
-          </a:extLst>
-        </p:spPr>
-        <p:txBody>
-          <a:bodyPr lIns="92075" tIns="46038" rIns="92075" bIns="46038" anchor="ctr"/>
-          <a:lstStyle/>
-          <a:p>
-            <a:pPr algn="ctr" eaLnBrk="0" hangingPunct="0">
-              <a:defRPr/>
-            </a:pPr>
-            <a:r>
-              <a:rPr lang="es-ES_tradnl" sz="4400" b="1" dirty="0">
-                <a:solidFill>
-                  <a:srgbClr val="002060"/>
-                </a:solidFill>
-                <a:effectLst>
-                  <a:outerShdw blurRad="38100" dist="38100" dir="2700000" algn="tl">
-                    <a:srgbClr val="C0C0C0"/>
-                  </a:outerShdw>
-                </a:effectLst>
-              </a:rPr>
-              <a:t>Función: Cuenta caracteres</a:t>
-            </a:r>
-          </a:p>
-        </p:txBody>
-      </p:sp>
-      <p:sp>
-        <p:nvSpPr>
-          <p:cNvPr id="2" name="Rectángulo 1">
-            <a:extLst>
-              <a:ext uri="{FF2B5EF4-FFF2-40B4-BE49-F238E27FC236}">
-                <a16:creationId xmlns:a16="http://schemas.microsoft.com/office/drawing/2014/main" id="{C932FD1F-2BBD-43B8-B49C-12BC27B9A27E}"/>
-              </a:ext>
-            </a:extLst>
-          </p:cNvPr>
-          <p:cNvSpPr/>
-          <p:nvPr/>
-        </p:nvSpPr>
-        <p:spPr>
-          <a:xfrm>
-            <a:off x="1456081" y="1484784"/>
-            <a:ext cx="6231837" cy="4401911"/>
-          </a:xfrm>
-          <a:prstGeom prst="rect">
-            <a:avLst/>
-          </a:prstGeom>
-        </p:spPr>
-        <p:txBody>
-          <a:bodyPr wrap="square">
-            <a:spAutoFit/>
-          </a:bodyPr>
-          <a:lstStyle/>
-          <a:p>
-            <a:pPr>
-              <a:lnSpc>
-                <a:spcPts val="2600"/>
-              </a:lnSpc>
-            </a:pPr>
-            <a:r>
-              <a:rPr lang="en-US" sz="2000" b="1" dirty="0" err="1">
-                <a:solidFill>
-                  <a:schemeClr val="tx1">
-                    <a:lumMod val="95000"/>
-                    <a:lumOff val="5000"/>
-                  </a:schemeClr>
-                </a:solidFill>
-                <a:latin typeface="Arial" panose="020B0604020202020204" pitchFamily="34" charset="0"/>
-                <a:cs typeface="Arial" pitchFamily="34" charset="0"/>
-              </a:rPr>
-              <a:t>función</a:t>
-            </a:r>
-            <a:r>
-              <a:rPr lang="en-US" sz="2000" b="1" dirty="0">
-                <a:solidFill>
-                  <a:schemeClr val="tx1">
-                    <a:lumMod val="95000"/>
-                    <a:lumOff val="5000"/>
-                  </a:schemeClr>
-                </a:solidFill>
-                <a:latin typeface="Arial" panose="020B0604020202020204" pitchFamily="34" charset="0"/>
-                <a:cs typeface="Arial" pitchFamily="34" charset="0"/>
-              </a:rPr>
-              <a:t> </a:t>
-            </a:r>
-            <a:r>
-              <a:rPr lang="en-US" sz="2000" b="1" dirty="0" err="1">
-                <a:solidFill>
-                  <a:srgbClr val="FF0000"/>
-                </a:solidFill>
-                <a:latin typeface="Arial" panose="020B0604020202020204" pitchFamily="34" charset="0"/>
-                <a:cs typeface="Arial" pitchFamily="34" charset="0"/>
-              </a:rPr>
-              <a:t>cuenta_caracteres</a:t>
-            </a:r>
-            <a:r>
-              <a:rPr lang="en-US" sz="2000" b="1" dirty="0">
-                <a:solidFill>
-                  <a:srgbClr val="FF0000"/>
-                </a:solidFill>
-                <a:latin typeface="Arial" panose="020B0604020202020204" pitchFamily="34" charset="0"/>
-                <a:cs typeface="Arial" pitchFamily="34" charset="0"/>
-              </a:rPr>
-              <a:t> </a:t>
-            </a:r>
-            <a:r>
-              <a:rPr lang="en-US" sz="2000" b="1" dirty="0">
-                <a:solidFill>
-                  <a:schemeClr val="bg2">
-                    <a:lumMod val="25000"/>
-                  </a:schemeClr>
-                </a:solidFill>
-                <a:latin typeface="Arial" panose="020B0604020202020204" pitchFamily="34" charset="0"/>
-                <a:cs typeface="Arial" pitchFamily="34" charset="0"/>
-              </a:rPr>
-              <a:t>(</a:t>
-            </a:r>
-            <a:r>
-              <a:rPr lang="en-US" sz="2000" b="1" dirty="0" err="1">
-                <a:solidFill>
-                  <a:schemeClr val="bg2">
-                    <a:lumMod val="25000"/>
-                  </a:schemeClr>
-                </a:solidFill>
-                <a:latin typeface="Arial" panose="020B0604020202020204" pitchFamily="34" charset="0"/>
-                <a:cs typeface="Arial" pitchFamily="34" charset="0"/>
-              </a:rPr>
-              <a:t>nombre</a:t>
-            </a:r>
-            <a:r>
-              <a:rPr lang="en-US" sz="2000" b="1" dirty="0">
-                <a:solidFill>
-                  <a:schemeClr val="bg2">
-                    <a:lumMod val="25000"/>
-                  </a:schemeClr>
-                </a:solidFill>
-                <a:latin typeface="Arial" panose="020B0604020202020204" pitchFamily="34" charset="0"/>
-                <a:cs typeface="Arial" pitchFamily="34" charset="0"/>
-              </a:rPr>
-              <a:t>)</a:t>
-            </a:r>
-          </a:p>
-          <a:p>
-            <a:pPr algn="just">
-              <a:lnSpc>
-                <a:spcPts val="2600"/>
-              </a:lnSpc>
-            </a:pPr>
-            <a:r>
-              <a:rPr lang="es-MX" sz="2000" b="1" dirty="0">
-                <a:solidFill>
-                  <a:schemeClr val="tx1">
-                    <a:lumMod val="95000"/>
-                    <a:lumOff val="5000"/>
-                  </a:schemeClr>
-                </a:solidFill>
-                <a:latin typeface="Arial" panose="020B0604020202020204" pitchFamily="34" charset="0"/>
-                <a:cs typeface="Arial" panose="020B0604020202020204" pitchFamily="34" charset="0"/>
-              </a:rPr>
-              <a:t>     </a:t>
-            </a:r>
-            <a:r>
-              <a:rPr lang="es-MX" sz="2000" dirty="0">
-                <a:solidFill>
-                  <a:schemeClr val="tx1">
-                    <a:lumMod val="95000"/>
-                    <a:lumOff val="5000"/>
-                  </a:schemeClr>
-                </a:solidFill>
-                <a:latin typeface="Arial" panose="020B0604020202020204" pitchFamily="34" charset="0"/>
-                <a:cs typeface="Arial" panose="020B0604020202020204" pitchFamily="34" charset="0"/>
-              </a:rPr>
-              <a:t>Abrir el archivo de texto en modo de lectura</a:t>
-            </a:r>
-          </a:p>
-          <a:p>
-            <a:pPr algn="just">
-              <a:lnSpc>
-                <a:spcPts val="2600"/>
-              </a:lnSpc>
-            </a:pPr>
-            <a:r>
-              <a:rPr lang="es-MX" sz="2000" dirty="0">
-                <a:solidFill>
-                  <a:schemeClr val="tx1">
-                    <a:lumMod val="95000"/>
-                    <a:lumOff val="5000"/>
-                  </a:schemeClr>
-                </a:solidFill>
-                <a:latin typeface="Arial" panose="020B0604020202020204" pitchFamily="34" charset="0"/>
-                <a:cs typeface="Arial" panose="020B0604020202020204" pitchFamily="34" charset="0"/>
-              </a:rPr>
-              <a:t>     </a:t>
-            </a:r>
-            <a:r>
-              <a:rPr lang="es-MX" sz="2000" dirty="0" err="1">
-                <a:solidFill>
-                  <a:schemeClr val="tx1">
-                    <a:lumMod val="95000"/>
-                    <a:lumOff val="5000"/>
-                  </a:schemeClr>
-                </a:solidFill>
-                <a:latin typeface="Arial" panose="020B0604020202020204" pitchFamily="34" charset="0"/>
-                <a:cs typeface="Arial" panose="020B0604020202020204" pitchFamily="34" charset="0"/>
-              </a:rPr>
-              <a:t>cont</a:t>
-            </a:r>
-            <a:r>
-              <a:rPr lang="es-MX" sz="2000" dirty="0">
-                <a:solidFill>
-                  <a:schemeClr val="tx1">
-                    <a:lumMod val="95000"/>
-                    <a:lumOff val="5000"/>
-                  </a:schemeClr>
-                </a:solidFill>
-                <a:latin typeface="Arial" panose="020B0604020202020204" pitchFamily="34" charset="0"/>
-                <a:cs typeface="Arial" panose="020B0604020202020204" pitchFamily="34" charset="0"/>
-              </a:rPr>
-              <a:t> = 0</a:t>
-            </a:r>
-          </a:p>
-          <a:p>
-            <a:pPr algn="just">
-              <a:lnSpc>
-                <a:spcPts val="2600"/>
-              </a:lnSpc>
-            </a:pPr>
-            <a:r>
-              <a:rPr lang="es-MX" sz="2000" dirty="0">
-                <a:solidFill>
-                  <a:schemeClr val="tx1">
-                    <a:lumMod val="95000"/>
-                    <a:lumOff val="5000"/>
-                  </a:schemeClr>
-                </a:solidFill>
-                <a:latin typeface="Arial" panose="020B0604020202020204" pitchFamily="34" charset="0"/>
-                <a:cs typeface="Arial" panose="020B0604020202020204" pitchFamily="34" charset="0"/>
-              </a:rPr>
-              <a:t>     continua = Verdadero</a:t>
-            </a:r>
-          </a:p>
-          <a:p>
-            <a:pPr>
-              <a:lnSpc>
-                <a:spcPts val="2600"/>
-              </a:lnSpc>
-            </a:pPr>
-            <a:r>
-              <a:rPr lang="es-ES" sz="2000" dirty="0">
-                <a:solidFill>
-                  <a:schemeClr val="tx1">
-                    <a:lumMod val="95000"/>
-                    <a:lumOff val="5000"/>
-                  </a:schemeClr>
-                </a:solidFill>
-                <a:latin typeface="Arial" pitchFamily="34" charset="0"/>
-                <a:cs typeface="Arial" pitchFamily="34" charset="0"/>
-              </a:rPr>
-              <a:t>     </a:t>
-            </a:r>
-            <a:r>
-              <a:rPr lang="es-ES" sz="2000" b="1" dirty="0">
-                <a:solidFill>
-                  <a:schemeClr val="tx1">
-                    <a:lumMod val="95000"/>
-                    <a:lumOff val="5000"/>
-                  </a:schemeClr>
-                </a:solidFill>
-                <a:latin typeface="Arial" pitchFamily="34" charset="0"/>
-                <a:cs typeface="Arial" pitchFamily="34" charset="0"/>
-              </a:rPr>
-              <a:t>mientras continua sea verdadero</a:t>
-            </a:r>
-          </a:p>
-          <a:p>
-            <a:pPr>
-              <a:lnSpc>
-                <a:spcPts val="2600"/>
-              </a:lnSpc>
-            </a:pPr>
-            <a:r>
-              <a:rPr lang="es-ES" sz="2000" dirty="0">
-                <a:solidFill>
-                  <a:schemeClr val="tx1">
-                    <a:lumMod val="95000"/>
-                    <a:lumOff val="5000"/>
-                  </a:schemeClr>
-                </a:solidFill>
-                <a:latin typeface="Arial" pitchFamily="34" charset="0"/>
-                <a:cs typeface="Arial" pitchFamily="34" charset="0"/>
-              </a:rPr>
-              <a:t>        	</a:t>
-            </a:r>
-            <a:r>
-              <a:rPr lang="en-US" sz="2000" dirty="0">
-                <a:solidFill>
-                  <a:schemeClr val="tx1">
-                    <a:lumMod val="95000"/>
-                    <a:lumOff val="5000"/>
-                  </a:schemeClr>
-                </a:solidFill>
-                <a:latin typeface="Arial" pitchFamily="34" charset="0"/>
-                <a:cs typeface="Arial" pitchFamily="34" charset="0"/>
-              </a:rPr>
-              <a:t>Leer un </a:t>
-            </a:r>
-            <a:r>
-              <a:rPr lang="en-US" sz="2000" dirty="0" err="1">
-                <a:solidFill>
-                  <a:schemeClr val="tx1">
-                    <a:lumMod val="95000"/>
-                    <a:lumOff val="5000"/>
-                  </a:schemeClr>
-                </a:solidFill>
-                <a:latin typeface="Arial" pitchFamily="34" charset="0"/>
-                <a:cs typeface="Arial" pitchFamily="34" charset="0"/>
-              </a:rPr>
-              <a:t>caracter</a:t>
-            </a:r>
-            <a:r>
-              <a:rPr lang="en-US" sz="2000" dirty="0">
-                <a:solidFill>
-                  <a:schemeClr val="tx1">
-                    <a:lumMod val="95000"/>
-                    <a:lumOff val="5000"/>
-                  </a:schemeClr>
-                </a:solidFill>
-                <a:latin typeface="Arial" pitchFamily="34" charset="0"/>
-                <a:cs typeface="Arial" pitchFamily="34" charset="0"/>
-              </a:rPr>
-              <a:t> del </a:t>
-            </a:r>
-            <a:r>
-              <a:rPr lang="en-US" sz="2000" dirty="0" err="1">
-                <a:solidFill>
-                  <a:schemeClr val="tx1">
-                    <a:lumMod val="95000"/>
-                    <a:lumOff val="5000"/>
-                  </a:schemeClr>
-                </a:solidFill>
-                <a:latin typeface="Arial" pitchFamily="34" charset="0"/>
-                <a:cs typeface="Arial" pitchFamily="34" charset="0"/>
-              </a:rPr>
-              <a:t>archivo</a:t>
-            </a:r>
-            <a:endParaRPr lang="en-US" sz="2000" dirty="0">
-              <a:solidFill>
-                <a:schemeClr val="tx1">
-                  <a:lumMod val="95000"/>
-                  <a:lumOff val="5000"/>
-                </a:schemeClr>
-              </a:solidFill>
-              <a:latin typeface="Arial" pitchFamily="34" charset="0"/>
-              <a:cs typeface="Arial" pitchFamily="34" charset="0"/>
-            </a:endParaRPr>
-          </a:p>
-          <a:p>
-            <a:pPr>
-              <a:lnSpc>
-                <a:spcPts val="2600"/>
-              </a:lnSpc>
-            </a:pPr>
-            <a:r>
-              <a:rPr lang="en-US" sz="2000" dirty="0">
-                <a:solidFill>
-                  <a:schemeClr val="tx1">
-                    <a:lumMod val="95000"/>
-                    <a:lumOff val="5000"/>
-                  </a:schemeClr>
-                </a:solidFill>
-                <a:latin typeface="Arial" pitchFamily="34" charset="0"/>
-                <a:cs typeface="Arial" pitchFamily="34" charset="0"/>
-              </a:rPr>
-              <a:t>	</a:t>
-            </a:r>
-            <a:r>
-              <a:rPr lang="en-US" sz="2000" b="1" dirty="0">
-                <a:solidFill>
-                  <a:schemeClr val="tx1">
-                    <a:lumMod val="95000"/>
-                    <a:lumOff val="5000"/>
-                  </a:schemeClr>
-                </a:solidFill>
-                <a:latin typeface="Arial" pitchFamily="34" charset="0"/>
-                <a:cs typeface="Arial" pitchFamily="34" charset="0"/>
-              </a:rPr>
-              <a:t>Si no es </a:t>
-            </a:r>
-            <a:r>
-              <a:rPr lang="en-US" sz="2000" b="1" dirty="0" err="1">
-                <a:solidFill>
-                  <a:schemeClr val="tx1">
-                    <a:lumMod val="95000"/>
-                    <a:lumOff val="5000"/>
-                  </a:schemeClr>
-                </a:solidFill>
-                <a:latin typeface="Arial" pitchFamily="34" charset="0"/>
-                <a:cs typeface="Arial" pitchFamily="34" charset="0"/>
-              </a:rPr>
-              <a:t>letra</a:t>
-            </a:r>
-            <a:r>
-              <a:rPr lang="en-US" sz="2000" b="1" dirty="0">
-                <a:solidFill>
-                  <a:schemeClr val="tx1">
-                    <a:lumMod val="95000"/>
-                    <a:lumOff val="5000"/>
-                  </a:schemeClr>
-                </a:solidFill>
-                <a:latin typeface="Arial" pitchFamily="34" charset="0"/>
-                <a:cs typeface="Arial" pitchFamily="34" charset="0"/>
-              </a:rPr>
-              <a:t> </a:t>
-            </a:r>
-            <a:r>
-              <a:rPr lang="en-US" sz="2000" dirty="0">
-                <a:solidFill>
-                  <a:schemeClr val="tx1">
-                    <a:lumMod val="95000"/>
-                    <a:lumOff val="5000"/>
-                  </a:schemeClr>
-                </a:solidFill>
-                <a:latin typeface="Arial" pitchFamily="34" charset="0"/>
-                <a:cs typeface="Arial" pitchFamily="34" charset="0"/>
-              </a:rPr>
-              <a:t>(</a:t>
-            </a:r>
-            <a:r>
-              <a:rPr lang="en-US" sz="2000" dirty="0" err="1">
-                <a:solidFill>
-                  <a:schemeClr val="tx1">
-                    <a:lumMod val="95000"/>
-                    <a:lumOff val="5000"/>
-                  </a:schemeClr>
-                </a:solidFill>
-                <a:latin typeface="Arial" pitchFamily="34" charset="0"/>
-                <a:cs typeface="Arial" pitchFamily="34" charset="0"/>
-              </a:rPr>
-              <a:t>si</a:t>
-            </a:r>
-            <a:r>
-              <a:rPr lang="en-US" sz="2000" dirty="0">
-                <a:solidFill>
-                  <a:schemeClr val="tx1">
-                    <a:lumMod val="95000"/>
-                    <a:lumOff val="5000"/>
-                  </a:schemeClr>
-                </a:solidFill>
-                <a:latin typeface="Arial" pitchFamily="34" charset="0"/>
-                <a:cs typeface="Arial" pitchFamily="34" charset="0"/>
-              </a:rPr>
-              <a:t> es fin de </a:t>
-            </a:r>
-            <a:r>
-              <a:rPr lang="en-US" sz="2000" dirty="0" err="1">
-                <a:solidFill>
-                  <a:schemeClr val="tx1">
-                    <a:lumMod val="95000"/>
-                    <a:lumOff val="5000"/>
-                  </a:schemeClr>
-                </a:solidFill>
-                <a:latin typeface="Arial" pitchFamily="34" charset="0"/>
-                <a:cs typeface="Arial" pitchFamily="34" charset="0"/>
-              </a:rPr>
-              <a:t>archivo</a:t>
-            </a:r>
-            <a:r>
-              <a:rPr lang="en-US" sz="2000" dirty="0">
-                <a:solidFill>
-                  <a:schemeClr val="tx1">
-                    <a:lumMod val="95000"/>
-                    <a:lumOff val="5000"/>
-                  </a:schemeClr>
-                </a:solidFill>
-                <a:latin typeface="Arial" pitchFamily="34" charset="0"/>
-                <a:cs typeface="Arial" pitchFamily="34" charset="0"/>
-              </a:rPr>
-              <a:t>)</a:t>
-            </a:r>
-            <a:endParaRPr lang="es-ES" sz="2000" dirty="0">
-              <a:solidFill>
-                <a:schemeClr val="tx1">
-                  <a:lumMod val="95000"/>
-                  <a:lumOff val="5000"/>
-                </a:schemeClr>
-              </a:solidFill>
-              <a:latin typeface="Arial" pitchFamily="34" charset="0"/>
-              <a:cs typeface="Arial" pitchFamily="34" charset="0"/>
-            </a:endParaRPr>
-          </a:p>
-          <a:p>
-            <a:pPr>
-              <a:lnSpc>
-                <a:spcPts val="2600"/>
-              </a:lnSpc>
-            </a:pPr>
-            <a:r>
-              <a:rPr lang="es-ES" sz="2000" dirty="0">
-                <a:solidFill>
-                  <a:schemeClr val="tx1">
-                    <a:lumMod val="95000"/>
-                    <a:lumOff val="5000"/>
-                  </a:schemeClr>
-                </a:solidFill>
-                <a:latin typeface="Arial" pitchFamily="34" charset="0"/>
-                <a:cs typeface="Arial" pitchFamily="34" charset="0"/>
-              </a:rPr>
-              <a:t>            	       continua = Falso (salir del ciclo)</a:t>
-            </a:r>
-          </a:p>
-          <a:p>
-            <a:pPr>
-              <a:lnSpc>
-                <a:spcPts val="2600"/>
-              </a:lnSpc>
-            </a:pPr>
-            <a:r>
-              <a:rPr lang="es-ES" sz="2000" dirty="0">
-                <a:solidFill>
-                  <a:schemeClr val="tx1">
-                    <a:lumMod val="95000"/>
-                    <a:lumOff val="5000"/>
-                  </a:schemeClr>
-                </a:solidFill>
-                <a:latin typeface="Arial" pitchFamily="34" charset="0"/>
-                <a:cs typeface="Arial" pitchFamily="34" charset="0"/>
-              </a:rPr>
-              <a:t>	</a:t>
-            </a:r>
-            <a:r>
-              <a:rPr lang="es-ES" sz="2000" dirty="0" err="1">
-                <a:solidFill>
-                  <a:schemeClr val="tx1">
-                    <a:lumMod val="95000"/>
-                    <a:lumOff val="5000"/>
-                  </a:schemeClr>
-                </a:solidFill>
-                <a:latin typeface="Arial" pitchFamily="34" charset="0"/>
-                <a:cs typeface="Arial" pitchFamily="34" charset="0"/>
-              </a:rPr>
-              <a:t>SiNo</a:t>
-            </a:r>
-            <a:endParaRPr lang="es-ES" sz="2000" dirty="0">
-              <a:solidFill>
-                <a:schemeClr val="tx1">
-                  <a:lumMod val="95000"/>
-                  <a:lumOff val="5000"/>
-                </a:schemeClr>
-              </a:solidFill>
-              <a:latin typeface="Arial" pitchFamily="34" charset="0"/>
-              <a:cs typeface="Arial" pitchFamily="34" charset="0"/>
-            </a:endParaRPr>
-          </a:p>
-          <a:p>
-            <a:pPr>
-              <a:lnSpc>
-                <a:spcPts val="2600"/>
-              </a:lnSpc>
-            </a:pPr>
-            <a:r>
-              <a:rPr lang="es-ES" sz="2000" dirty="0">
-                <a:solidFill>
-                  <a:schemeClr val="tx1">
-                    <a:lumMod val="95000"/>
-                    <a:lumOff val="5000"/>
-                  </a:schemeClr>
-                </a:solidFill>
-                <a:latin typeface="Arial" pitchFamily="34" charset="0"/>
-                <a:cs typeface="Arial" pitchFamily="34" charset="0"/>
-              </a:rPr>
-              <a:t>	       </a:t>
-            </a:r>
-            <a:r>
-              <a:rPr lang="es-ES" sz="2000" dirty="0" err="1">
-                <a:solidFill>
-                  <a:schemeClr val="tx1">
-                    <a:lumMod val="95000"/>
-                    <a:lumOff val="5000"/>
-                  </a:schemeClr>
-                </a:solidFill>
-                <a:latin typeface="Arial" pitchFamily="34" charset="0"/>
-                <a:cs typeface="Arial" pitchFamily="34" charset="0"/>
-              </a:rPr>
-              <a:t>cont</a:t>
-            </a:r>
-            <a:r>
-              <a:rPr lang="es-ES" sz="2000" dirty="0">
-                <a:solidFill>
-                  <a:schemeClr val="tx1">
-                    <a:lumMod val="95000"/>
-                    <a:lumOff val="5000"/>
-                  </a:schemeClr>
-                </a:solidFill>
-                <a:latin typeface="Arial" pitchFamily="34" charset="0"/>
-                <a:cs typeface="Arial" pitchFamily="34" charset="0"/>
-              </a:rPr>
-              <a:t> = </a:t>
-            </a:r>
-            <a:r>
-              <a:rPr lang="es-ES" sz="2000" dirty="0" err="1">
-                <a:solidFill>
-                  <a:schemeClr val="tx1">
-                    <a:lumMod val="95000"/>
-                    <a:lumOff val="5000"/>
-                  </a:schemeClr>
-                </a:solidFill>
-                <a:latin typeface="Arial" pitchFamily="34" charset="0"/>
-                <a:cs typeface="Arial" pitchFamily="34" charset="0"/>
-              </a:rPr>
-              <a:t>cont</a:t>
-            </a:r>
-            <a:r>
-              <a:rPr lang="es-ES" sz="2000" dirty="0">
-                <a:solidFill>
-                  <a:schemeClr val="tx1">
-                    <a:lumMod val="95000"/>
-                    <a:lumOff val="5000"/>
-                  </a:schemeClr>
-                </a:solidFill>
-                <a:latin typeface="Arial" pitchFamily="34" charset="0"/>
-                <a:cs typeface="Arial" pitchFamily="34" charset="0"/>
-              </a:rPr>
-              <a:t> + 1</a:t>
-            </a:r>
-          </a:p>
-          <a:p>
-            <a:pPr>
-              <a:lnSpc>
-                <a:spcPts val="2600"/>
-              </a:lnSpc>
-            </a:pPr>
-            <a:r>
-              <a:rPr lang="es-ES" sz="2000" b="1" dirty="0">
-                <a:solidFill>
-                  <a:schemeClr val="tx1">
-                    <a:lumMod val="95000"/>
-                    <a:lumOff val="5000"/>
-                  </a:schemeClr>
-                </a:solidFill>
-                <a:latin typeface="Arial" pitchFamily="34" charset="0"/>
-                <a:cs typeface="Arial" pitchFamily="34" charset="0"/>
-              </a:rPr>
-              <a:t>     cerrar(archivo)</a:t>
-            </a:r>
-          </a:p>
-          <a:p>
-            <a:pPr>
-              <a:lnSpc>
-                <a:spcPts val="2600"/>
-              </a:lnSpc>
-            </a:pPr>
-            <a:r>
-              <a:rPr lang="es-ES" sz="2000" b="1" dirty="0">
-                <a:solidFill>
-                  <a:schemeClr val="tx1">
-                    <a:lumMod val="95000"/>
-                    <a:lumOff val="5000"/>
-                  </a:schemeClr>
-                </a:solidFill>
-                <a:latin typeface="Arial" pitchFamily="34" charset="0"/>
-                <a:cs typeface="Arial" pitchFamily="34" charset="0"/>
-              </a:rPr>
-              <a:t>     regresar </a:t>
-            </a:r>
-            <a:r>
-              <a:rPr lang="es-ES" sz="2000" b="1" dirty="0" err="1">
-                <a:solidFill>
-                  <a:schemeClr val="tx1">
-                    <a:lumMod val="95000"/>
-                    <a:lumOff val="5000"/>
-                  </a:schemeClr>
-                </a:solidFill>
-                <a:latin typeface="Arial" pitchFamily="34" charset="0"/>
-                <a:cs typeface="Arial" pitchFamily="34" charset="0"/>
-              </a:rPr>
-              <a:t>cont</a:t>
-            </a:r>
-            <a:endParaRPr lang="es-ES" sz="2000" b="1" dirty="0">
-              <a:solidFill>
-                <a:schemeClr val="tx1">
-                  <a:lumMod val="95000"/>
-                  <a:lumOff val="5000"/>
-                </a:schemeClr>
-              </a:solidFill>
-              <a:latin typeface="Arial" pitchFamily="34" charset="0"/>
-              <a:cs typeface="Arial" pitchFamily="34" charset="0"/>
-            </a:endParaRPr>
-          </a:p>
-          <a:p>
-            <a:pPr>
-              <a:lnSpc>
-                <a:spcPts val="2600"/>
-              </a:lnSpc>
-            </a:pPr>
-            <a:endParaRPr lang="es-ES" sz="2000" b="1" dirty="0">
-              <a:solidFill>
-                <a:schemeClr val="bg2">
-                  <a:lumMod val="25000"/>
-                </a:schemeClr>
-              </a:solidFill>
-              <a:latin typeface="Arial" pitchFamily="34" charset="0"/>
-              <a:cs typeface="Arial" pitchFamily="34" charset="0"/>
-            </a:endParaRPr>
-          </a:p>
-        </p:txBody>
-      </p:sp>
-      <p:pic>
-        <p:nvPicPr>
-          <p:cNvPr id="15" name="1 Imagen">
-            <a:extLst>
-              <a:ext uri="{FF2B5EF4-FFF2-40B4-BE49-F238E27FC236}">
-                <a16:creationId xmlns:a16="http://schemas.microsoft.com/office/drawing/2014/main" id="{69E99C95-6AED-4320-8A24-F4EA46065709}"/>
-              </a:ext>
-            </a:extLst>
-          </p:cNvPr>
-          <p:cNvPicPr>
-            <a:picLocks noChangeAspect="1"/>
-          </p:cNvPicPr>
-          <p:nvPr/>
-        </p:nvPicPr>
-        <p:blipFill>
-          <a:blip r:embed="rId3">
-            <a:extLst>
-              <a:ext uri="{28A0092B-C50C-407E-A947-70E740481C1C}">
-                <a14:useLocalDpi xmlns:a14="http://schemas.microsoft.com/office/drawing/2010/main" val="0"/>
-              </a:ext>
-            </a:extLst>
-          </a:blip>
-          <a:stretch>
-            <a:fillRect/>
-          </a:stretch>
-        </p:blipFill>
-        <p:spPr>
-          <a:xfrm>
-            <a:off x="6552220" y="4725144"/>
-            <a:ext cx="1800200" cy="1670688"/>
-          </a:xfrm>
-          <a:prstGeom prst="rect">
-            <a:avLst/>
-          </a:prstGeom>
-        </p:spPr>
-      </p:pic>
-    </p:spTree>
-    <p:extLst>
-      <p:ext uri="{BB962C8B-B14F-4D97-AF65-F5344CB8AC3E}">
-        <p14:creationId xmlns:p14="http://schemas.microsoft.com/office/powerpoint/2010/main" val="968056122"/>
-      </p:ext>
-    </p:extLst>
-  </p:cSld>
-  <p:clrMapOvr>
-    <a:masterClrMapping/>
-  </p:clrMapOvr>
-</p:sld>
-</file>
-
-<file path=ppt/slides/slide23.xml><?xml version="1.0" encoding="utf-8"?>
-<p:sld xmlns:a="http://schemas.openxmlformats.org/drawingml/2006/main" xmlns:r="http://schemas.openxmlformats.org/officeDocument/2006/relationships" xmlns:p="http://schemas.openxmlformats.org/presentationml/2006/main">
-  <p:cSld>
-    <p:spTree>
-      <p:nvGrpSpPr>
-        <p:cNvPr id="1" name=""/>
-        <p:cNvGrpSpPr/>
-        <p:nvPr/>
-      </p:nvGrpSpPr>
-      <p:grpSpPr>
-        <a:xfrm>
-          <a:off x="0" y="0"/>
-          <a:ext cx="0" cy="0"/>
-          <a:chOff x="0" y="0"/>
-          <a:chExt cx="0" cy="0"/>
-        </a:xfrm>
-      </p:grpSpPr>
-      <p:sp>
-        <p:nvSpPr>
-          <p:cNvPr id="13" name="Rectangle 2"/>
-          <p:cNvSpPr>
-            <a:spLocks noChangeArrowheads="1"/>
-          </p:cNvSpPr>
-          <p:nvPr/>
-        </p:nvSpPr>
-        <p:spPr bwMode="auto">
-          <a:xfrm>
-            <a:off x="539552" y="44624"/>
-            <a:ext cx="8280400" cy="936104"/>
-          </a:xfrm>
-          <a:prstGeom prst="rect">
-            <a:avLst/>
-          </a:prstGeom>
-          <a:noFill/>
-          <a:ln>
-            <a:noFill/>
-          </a:ln>
-          <a:effectLst/>
-          <a:extLst>
-            <a:ext uri="{909E8E84-426E-40DD-AFC4-6F175D3DCCD1}">
-              <a14:hiddenFill xmlns:a14="http://schemas.microsoft.com/office/drawing/2010/main">
-                <a:solidFill>
-                  <a:schemeClr val="accent1"/>
-                </a:solidFill>
-              </a14:hiddenFill>
-            </a:ext>
-            <a:ext uri="{91240B29-F687-4F45-9708-019B960494DF}">
-              <a14:hiddenLine xmlns:a14="http://schemas.microsoft.com/office/drawing/2010/main" w="9525">
-                <a:solidFill>
-                  <a:schemeClr val="tx1"/>
-                </a:solidFill>
-                <a:miter lim="800000"/>
-                <a:headEnd/>
-                <a:tailEnd/>
-              </a14:hiddenLine>
-            </a:ext>
-            <a:ext uri="{AF507438-7753-43E0-B8FC-AC1667EBCBE1}">
-              <a14:hiddenEffects xmlns:a14="http://schemas.microsoft.com/office/drawing/2010/main">
-                <a:effectLst>
-                  <a:outerShdw dist="35921" dir="2700000" algn="ctr" rotWithShape="0">
-                    <a:schemeClr val="bg2"/>
-                  </a:outerShdw>
-                </a:effectLst>
-              </a14:hiddenEffects>
-            </a:ext>
-          </a:extLst>
-        </p:spPr>
-        <p:txBody>
-          <a:bodyPr lIns="92075" tIns="46038" rIns="92075" bIns="46038" anchor="ctr"/>
-          <a:lstStyle/>
-          <a:p>
-            <a:pPr algn="ctr" eaLnBrk="0" hangingPunct="0">
-              <a:defRPr/>
-            </a:pPr>
-            <a:r>
-              <a:rPr lang="es-ES_tradnl" sz="4400" b="1" dirty="0">
-                <a:solidFill>
-                  <a:srgbClr val="002060"/>
-                </a:solidFill>
-                <a:effectLst>
-                  <a:outerShdw blurRad="38100" dist="38100" dir="2700000" algn="tl">
-                    <a:srgbClr val="C0C0C0"/>
-                  </a:outerShdw>
-                </a:effectLst>
-              </a:rPr>
-              <a:t>Función: Cuenta caracteres</a:t>
-            </a:r>
-          </a:p>
-        </p:txBody>
-      </p:sp>
-      <p:sp>
-        <p:nvSpPr>
-          <p:cNvPr id="2" name="Rectángulo 1">
-            <a:extLst>
-              <a:ext uri="{FF2B5EF4-FFF2-40B4-BE49-F238E27FC236}">
-                <a16:creationId xmlns:a16="http://schemas.microsoft.com/office/drawing/2014/main" id="{C932FD1F-2BBD-43B8-B49C-12BC27B9A27E}"/>
-              </a:ext>
-            </a:extLst>
-          </p:cNvPr>
-          <p:cNvSpPr/>
-          <p:nvPr/>
-        </p:nvSpPr>
-        <p:spPr>
-          <a:xfrm>
-            <a:off x="755056" y="980728"/>
-            <a:ext cx="7920880" cy="5632311"/>
-          </a:xfrm>
-          <a:prstGeom prst="rect">
-            <a:avLst/>
-          </a:prstGeom>
-        </p:spPr>
-        <p:txBody>
-          <a:bodyPr wrap="square">
-            <a:spAutoFit/>
-          </a:bodyPr>
-          <a:lstStyle/>
-          <a:p>
-            <a:r>
-              <a:rPr lang="en-US" b="1" dirty="0">
-                <a:solidFill>
-                  <a:schemeClr val="tx1">
-                    <a:lumMod val="95000"/>
-                    <a:lumOff val="5000"/>
-                  </a:schemeClr>
-                </a:solidFill>
-                <a:latin typeface="Arial" panose="020B0604020202020204" pitchFamily="34" charset="0"/>
-                <a:cs typeface="Arial" pitchFamily="34" charset="0"/>
-              </a:rPr>
-              <a:t>def </a:t>
-            </a:r>
-            <a:r>
-              <a:rPr lang="en-US" b="1" dirty="0" err="1">
-                <a:solidFill>
-                  <a:srgbClr val="FF0000"/>
-                </a:solidFill>
-                <a:latin typeface="Arial" panose="020B0604020202020204" pitchFamily="34" charset="0"/>
-                <a:cs typeface="Arial" pitchFamily="34" charset="0"/>
-              </a:rPr>
-              <a:t>cuenta_caracteres</a:t>
-            </a:r>
-            <a:r>
-              <a:rPr lang="en-US" b="1" dirty="0">
-                <a:solidFill>
-                  <a:srgbClr val="FF0000"/>
-                </a:solidFill>
-                <a:latin typeface="Arial" panose="020B0604020202020204" pitchFamily="34" charset="0"/>
-                <a:cs typeface="Arial" pitchFamily="34" charset="0"/>
-              </a:rPr>
-              <a:t> </a:t>
-            </a:r>
-            <a:r>
-              <a:rPr lang="en-US" b="1" dirty="0">
-                <a:solidFill>
-                  <a:schemeClr val="tx1">
-                    <a:lumMod val="95000"/>
-                    <a:lumOff val="5000"/>
-                  </a:schemeClr>
-                </a:solidFill>
-                <a:latin typeface="Arial" panose="020B0604020202020204" pitchFamily="34" charset="0"/>
-                <a:cs typeface="Arial" pitchFamily="34" charset="0"/>
-              </a:rPr>
-              <a:t>(</a:t>
-            </a:r>
-            <a:r>
-              <a:rPr lang="en-US" b="1" dirty="0" err="1">
-                <a:solidFill>
-                  <a:schemeClr val="tx1">
-                    <a:lumMod val="95000"/>
-                    <a:lumOff val="5000"/>
-                  </a:schemeClr>
-                </a:solidFill>
-                <a:latin typeface="Arial" panose="020B0604020202020204" pitchFamily="34" charset="0"/>
-                <a:cs typeface="Arial" pitchFamily="34" charset="0"/>
-              </a:rPr>
-              <a:t>nombre</a:t>
-            </a:r>
-            <a:r>
-              <a:rPr lang="en-US" b="1" dirty="0">
-                <a:solidFill>
-                  <a:schemeClr val="tx1">
-                    <a:lumMod val="95000"/>
-                    <a:lumOff val="5000"/>
-                  </a:schemeClr>
-                </a:solidFill>
-                <a:latin typeface="Arial" panose="020B0604020202020204" pitchFamily="34" charset="0"/>
-                <a:cs typeface="Arial" pitchFamily="34" charset="0"/>
-              </a:rPr>
-              <a:t>):</a:t>
-            </a:r>
-          </a:p>
-          <a:p>
-            <a:pPr algn="just"/>
-            <a:r>
-              <a:rPr lang="es-MX" b="1" dirty="0">
-                <a:solidFill>
-                  <a:schemeClr val="accent6">
-                    <a:lumMod val="75000"/>
-                  </a:schemeClr>
-                </a:solidFill>
-                <a:latin typeface="Arial" panose="020B0604020202020204" pitchFamily="34" charset="0"/>
-                <a:cs typeface="Arial" panose="020B0604020202020204" pitchFamily="34" charset="0"/>
-              </a:rPr>
-              <a:t>	</a:t>
-            </a:r>
-            <a:r>
-              <a:rPr lang="es-MX" b="1" dirty="0">
-                <a:solidFill>
-                  <a:schemeClr val="accent3">
-                    <a:lumMod val="75000"/>
-                  </a:schemeClr>
-                </a:solidFill>
-                <a:latin typeface="Arial" panose="020B0604020202020204" pitchFamily="34" charset="0"/>
-                <a:cs typeface="Arial" panose="020B0604020202020204" pitchFamily="34" charset="0"/>
-              </a:rPr>
-              <a:t>file </a:t>
-            </a:r>
-            <a:r>
-              <a:rPr lang="es-MX" b="1" dirty="0">
-                <a:solidFill>
-                  <a:schemeClr val="tx1">
-                    <a:lumMod val="95000"/>
-                    <a:lumOff val="5000"/>
-                  </a:schemeClr>
-                </a:solidFill>
-                <a:latin typeface="Arial" panose="020B0604020202020204" pitchFamily="34" charset="0"/>
-                <a:cs typeface="Arial" panose="020B0604020202020204" pitchFamily="34" charset="0"/>
-              </a:rPr>
-              <a:t>= </a:t>
-            </a:r>
-            <a:r>
-              <a:rPr lang="es-MX" b="1" dirty="0">
-                <a:solidFill>
-                  <a:schemeClr val="accent6">
-                    <a:lumMod val="75000"/>
-                  </a:schemeClr>
-                </a:solidFill>
-                <a:latin typeface="Arial" panose="020B0604020202020204" pitchFamily="34" charset="0"/>
-                <a:cs typeface="Arial" panose="020B0604020202020204" pitchFamily="34" charset="0"/>
-              </a:rPr>
-              <a:t>open </a:t>
-            </a:r>
-            <a:r>
-              <a:rPr lang="es-MX" b="1" dirty="0">
-                <a:solidFill>
-                  <a:schemeClr val="tx1">
-                    <a:lumMod val="95000"/>
-                    <a:lumOff val="5000"/>
-                  </a:schemeClr>
-                </a:solidFill>
-                <a:latin typeface="Arial" panose="020B0604020202020204" pitchFamily="34" charset="0"/>
-                <a:cs typeface="Arial" panose="020B0604020202020204" pitchFamily="34" charset="0"/>
-              </a:rPr>
-              <a:t>(</a:t>
-            </a:r>
-            <a:r>
-              <a:rPr lang="es-MX" b="1" dirty="0" err="1">
-                <a:solidFill>
-                  <a:schemeClr val="tx1">
-                    <a:lumMod val="95000"/>
-                    <a:lumOff val="5000"/>
-                  </a:schemeClr>
-                </a:solidFill>
-                <a:latin typeface="Arial" panose="020B0604020202020204" pitchFamily="34" charset="0"/>
-                <a:cs typeface="Arial" panose="020B0604020202020204" pitchFamily="34" charset="0"/>
-              </a:rPr>
-              <a:t>nombre,"r</a:t>
-            </a:r>
-            <a:r>
-              <a:rPr lang="es-MX" b="1" dirty="0">
-                <a:solidFill>
-                  <a:schemeClr val="tx1">
-                    <a:lumMod val="95000"/>
-                    <a:lumOff val="5000"/>
-                  </a:schemeClr>
-                </a:solidFill>
-                <a:latin typeface="Arial" panose="020B0604020202020204" pitchFamily="34" charset="0"/>
-                <a:cs typeface="Arial" panose="020B0604020202020204" pitchFamily="34" charset="0"/>
-              </a:rPr>
-              <a:t>")</a:t>
-            </a:r>
-          </a:p>
-          <a:p>
-            <a:pPr algn="just"/>
-            <a:r>
-              <a:rPr lang="es-MX" b="1" dirty="0">
-                <a:solidFill>
-                  <a:schemeClr val="tx1">
-                    <a:lumMod val="95000"/>
-                    <a:lumOff val="5000"/>
-                  </a:schemeClr>
-                </a:solidFill>
-                <a:latin typeface="Arial" panose="020B0604020202020204" pitchFamily="34" charset="0"/>
-                <a:cs typeface="Arial" panose="020B0604020202020204" pitchFamily="34" charset="0"/>
-              </a:rPr>
-              <a:t>	</a:t>
-            </a:r>
-            <a:r>
-              <a:rPr lang="es-MX" b="1" dirty="0" err="1">
-                <a:solidFill>
-                  <a:schemeClr val="tx1">
-                    <a:lumMod val="95000"/>
-                    <a:lumOff val="5000"/>
-                  </a:schemeClr>
-                </a:solidFill>
-                <a:latin typeface="Arial" panose="020B0604020202020204" pitchFamily="34" charset="0"/>
-                <a:cs typeface="Arial" panose="020B0604020202020204" pitchFamily="34" charset="0"/>
-              </a:rPr>
-              <a:t>cont</a:t>
-            </a:r>
-            <a:r>
-              <a:rPr lang="es-MX" b="1" dirty="0">
-                <a:solidFill>
-                  <a:schemeClr val="tx1">
-                    <a:lumMod val="95000"/>
-                    <a:lumOff val="5000"/>
-                  </a:schemeClr>
-                </a:solidFill>
-                <a:latin typeface="Arial" panose="020B0604020202020204" pitchFamily="34" charset="0"/>
-                <a:cs typeface="Arial" panose="020B0604020202020204" pitchFamily="34" charset="0"/>
-              </a:rPr>
-              <a:t> = 0</a:t>
-            </a:r>
-          </a:p>
-          <a:p>
-            <a:pPr algn="just"/>
-            <a:r>
-              <a:rPr lang="es-MX" b="1" dirty="0">
-                <a:solidFill>
-                  <a:schemeClr val="tx1">
-                    <a:lumMod val="95000"/>
-                    <a:lumOff val="5000"/>
-                  </a:schemeClr>
-                </a:solidFill>
-                <a:latin typeface="Arial" panose="020B0604020202020204" pitchFamily="34" charset="0"/>
-                <a:cs typeface="Arial" panose="020B0604020202020204" pitchFamily="34" charset="0"/>
-              </a:rPr>
-              <a:t>	continua = True</a:t>
-            </a:r>
-          </a:p>
-          <a:p>
-            <a:r>
-              <a:rPr lang="es-ES" b="1" dirty="0">
-                <a:solidFill>
-                  <a:schemeClr val="bg2">
-                    <a:lumMod val="25000"/>
-                  </a:schemeClr>
-                </a:solidFill>
-                <a:latin typeface="Arial" pitchFamily="34" charset="0"/>
-                <a:cs typeface="Arial" pitchFamily="34" charset="0"/>
-              </a:rPr>
-              <a:t>	</a:t>
-            </a:r>
-            <a:r>
-              <a:rPr lang="es-ES" b="1" dirty="0" err="1">
-                <a:solidFill>
-                  <a:schemeClr val="tx1">
-                    <a:lumMod val="95000"/>
-                    <a:lumOff val="5000"/>
-                  </a:schemeClr>
-                </a:solidFill>
-                <a:latin typeface="Arial" pitchFamily="34" charset="0"/>
-                <a:cs typeface="Arial" pitchFamily="34" charset="0"/>
-              </a:rPr>
-              <a:t>while</a:t>
-            </a:r>
-            <a:r>
-              <a:rPr lang="es-ES" b="1" dirty="0">
-                <a:solidFill>
-                  <a:schemeClr val="tx1">
-                    <a:lumMod val="95000"/>
-                    <a:lumOff val="5000"/>
-                  </a:schemeClr>
-                </a:solidFill>
-                <a:latin typeface="Arial" pitchFamily="34" charset="0"/>
-                <a:cs typeface="Arial" pitchFamily="34" charset="0"/>
-              </a:rPr>
-              <a:t> continua:</a:t>
-            </a:r>
-          </a:p>
-          <a:p>
-            <a:r>
-              <a:rPr lang="es-ES" b="1" dirty="0">
-                <a:solidFill>
-                  <a:srgbClr val="00B050"/>
-                </a:solidFill>
-                <a:latin typeface="Arial" pitchFamily="34" charset="0"/>
-                <a:cs typeface="Arial" pitchFamily="34" charset="0"/>
-              </a:rPr>
-              <a:t>        		</a:t>
-            </a:r>
-            <a:r>
-              <a:rPr lang="es-ES" b="1" dirty="0">
-                <a:solidFill>
-                  <a:srgbClr val="0070C0"/>
-                </a:solidFill>
-                <a:latin typeface="Arial" pitchFamily="34" charset="0"/>
-                <a:cs typeface="Arial" pitchFamily="34" charset="0"/>
-              </a:rPr>
-              <a:t>letra </a:t>
-            </a:r>
-            <a:r>
-              <a:rPr lang="es-ES" b="1" dirty="0">
-                <a:solidFill>
-                  <a:schemeClr val="bg2">
-                    <a:lumMod val="25000"/>
-                  </a:schemeClr>
-                </a:solidFill>
-                <a:latin typeface="Arial" pitchFamily="34" charset="0"/>
-                <a:cs typeface="Arial" pitchFamily="34" charset="0"/>
-              </a:rPr>
-              <a:t>= </a:t>
-            </a:r>
-            <a:r>
-              <a:rPr lang="es-ES" b="1" dirty="0" err="1">
-                <a:solidFill>
-                  <a:schemeClr val="accent3">
-                    <a:lumMod val="75000"/>
-                  </a:schemeClr>
-                </a:solidFill>
-                <a:latin typeface="Arial" pitchFamily="34" charset="0"/>
-                <a:cs typeface="Arial" pitchFamily="34" charset="0"/>
-              </a:rPr>
-              <a:t>file.</a:t>
-            </a:r>
-            <a:r>
-              <a:rPr lang="es-ES" b="1" dirty="0" err="1">
-                <a:solidFill>
-                  <a:schemeClr val="accent6">
-                    <a:lumMod val="75000"/>
-                  </a:schemeClr>
-                </a:solidFill>
-                <a:latin typeface="Arial" pitchFamily="34" charset="0"/>
-                <a:cs typeface="Arial" pitchFamily="34" charset="0"/>
-              </a:rPr>
-              <a:t>read</a:t>
-            </a:r>
-            <a:r>
-              <a:rPr lang="es-ES" b="1" dirty="0">
-                <a:solidFill>
-                  <a:schemeClr val="accent6">
-                    <a:lumMod val="75000"/>
-                  </a:schemeClr>
-                </a:solidFill>
-                <a:latin typeface="Arial" pitchFamily="34" charset="0"/>
-                <a:cs typeface="Arial" pitchFamily="34" charset="0"/>
-              </a:rPr>
-              <a:t> (1) </a:t>
-            </a:r>
-            <a:r>
-              <a:rPr lang="en-US" b="1" dirty="0">
-                <a:solidFill>
-                  <a:schemeClr val="tx1">
-                    <a:lumMod val="50000"/>
-                    <a:lumOff val="50000"/>
-                  </a:schemeClr>
-                </a:solidFill>
-                <a:latin typeface="Arial" pitchFamily="34" charset="0"/>
-                <a:cs typeface="Arial" pitchFamily="34" charset="0"/>
-              </a:rPr>
-              <a:t># Lee un </a:t>
-            </a:r>
-            <a:r>
-              <a:rPr lang="en-US" b="1" dirty="0" err="1">
-                <a:solidFill>
-                  <a:schemeClr val="tx1">
-                    <a:lumMod val="50000"/>
-                    <a:lumOff val="50000"/>
-                  </a:schemeClr>
-                </a:solidFill>
-                <a:latin typeface="Arial" pitchFamily="34" charset="0"/>
-                <a:cs typeface="Arial" pitchFamily="34" charset="0"/>
-              </a:rPr>
-              <a:t>caracter</a:t>
-            </a:r>
-            <a:r>
-              <a:rPr lang="en-US" b="1" dirty="0">
-                <a:solidFill>
-                  <a:schemeClr val="tx1">
-                    <a:lumMod val="50000"/>
-                    <a:lumOff val="50000"/>
-                  </a:schemeClr>
-                </a:solidFill>
-                <a:latin typeface="Arial" pitchFamily="34" charset="0"/>
-                <a:cs typeface="Arial" pitchFamily="34" charset="0"/>
-              </a:rPr>
-              <a:t> del </a:t>
-            </a:r>
-            <a:r>
-              <a:rPr lang="en-US" b="1" dirty="0" err="1">
-                <a:solidFill>
-                  <a:schemeClr val="tx1">
-                    <a:lumMod val="50000"/>
-                    <a:lumOff val="50000"/>
-                  </a:schemeClr>
-                </a:solidFill>
-                <a:latin typeface="Arial" pitchFamily="34" charset="0"/>
-                <a:cs typeface="Arial" pitchFamily="34" charset="0"/>
-              </a:rPr>
-              <a:t>archivo</a:t>
-            </a:r>
-            <a:endParaRPr lang="en-US" b="1" dirty="0">
-              <a:solidFill>
-                <a:schemeClr val="tx1">
-                  <a:lumMod val="50000"/>
-                  <a:lumOff val="50000"/>
-                </a:schemeClr>
-              </a:solidFill>
-              <a:latin typeface="Arial" pitchFamily="34" charset="0"/>
-              <a:cs typeface="Arial" pitchFamily="34" charset="0"/>
-            </a:endParaRPr>
-          </a:p>
-          <a:p>
-            <a:r>
-              <a:rPr lang="en-US" b="1" dirty="0">
-                <a:solidFill>
-                  <a:schemeClr val="tx1">
-                    <a:lumMod val="50000"/>
-                    <a:lumOff val="50000"/>
-                  </a:schemeClr>
-                </a:solidFill>
-                <a:latin typeface="Arial" pitchFamily="34" charset="0"/>
-                <a:cs typeface="Arial" pitchFamily="34" charset="0"/>
-              </a:rPr>
-              <a:t>		</a:t>
-            </a:r>
-            <a:r>
-              <a:rPr lang="es-ES" b="1" dirty="0" err="1">
-                <a:solidFill>
-                  <a:schemeClr val="tx1">
-                    <a:lumMod val="95000"/>
-                    <a:lumOff val="5000"/>
-                  </a:schemeClr>
-                </a:solidFill>
-                <a:latin typeface="Arial" pitchFamily="34" charset="0"/>
-                <a:cs typeface="Arial" pitchFamily="34" charset="0"/>
-              </a:rPr>
-              <a:t>if</a:t>
-            </a:r>
-            <a:r>
-              <a:rPr lang="es-ES" b="1" dirty="0">
-                <a:solidFill>
-                  <a:schemeClr val="tx1">
-                    <a:lumMod val="95000"/>
-                    <a:lumOff val="5000"/>
-                  </a:schemeClr>
-                </a:solidFill>
-                <a:latin typeface="Arial" pitchFamily="34" charset="0"/>
-                <a:cs typeface="Arial" pitchFamily="34" charset="0"/>
-              </a:rPr>
-              <a:t> </a:t>
-            </a:r>
-            <a:r>
-              <a:rPr lang="es-ES" b="1" dirty="0" err="1">
-                <a:solidFill>
-                  <a:schemeClr val="tx1">
-                    <a:lumMod val="95000"/>
-                    <a:lumOff val="5000"/>
-                  </a:schemeClr>
-                </a:solidFill>
-                <a:latin typeface="Arial" pitchFamily="34" charset="0"/>
-                <a:cs typeface="Arial" pitchFamily="34" charset="0"/>
-              </a:rPr>
-              <a:t>not</a:t>
-            </a:r>
-            <a:r>
-              <a:rPr lang="es-ES" b="1" dirty="0">
-                <a:solidFill>
-                  <a:schemeClr val="tx1">
-                    <a:lumMod val="95000"/>
-                    <a:lumOff val="5000"/>
-                  </a:schemeClr>
-                </a:solidFill>
-                <a:latin typeface="Arial" pitchFamily="34" charset="0"/>
-                <a:cs typeface="Arial" pitchFamily="34" charset="0"/>
-              </a:rPr>
-              <a:t> </a:t>
-            </a:r>
-            <a:r>
-              <a:rPr lang="es-ES" b="1" dirty="0">
-                <a:solidFill>
-                  <a:srgbClr val="0070C0"/>
-                </a:solidFill>
-                <a:latin typeface="Arial" pitchFamily="34" charset="0"/>
-                <a:cs typeface="Arial" pitchFamily="34" charset="0"/>
-              </a:rPr>
-              <a:t>letra</a:t>
-            </a:r>
-            <a:r>
-              <a:rPr lang="es-ES" b="1" dirty="0">
-                <a:solidFill>
-                  <a:schemeClr val="bg2">
-                    <a:lumMod val="25000"/>
-                  </a:schemeClr>
-                </a:solidFill>
-                <a:latin typeface="Arial" pitchFamily="34" charset="0"/>
-                <a:cs typeface="Arial" pitchFamily="34" charset="0"/>
-              </a:rPr>
-              <a:t>: </a:t>
-            </a:r>
-            <a:r>
-              <a:rPr lang="en-US" b="1" dirty="0">
-                <a:solidFill>
-                  <a:schemeClr val="tx1">
-                    <a:lumMod val="50000"/>
-                    <a:lumOff val="50000"/>
-                  </a:schemeClr>
-                </a:solidFill>
-                <a:latin typeface="Arial" pitchFamily="34" charset="0"/>
-                <a:cs typeface="Arial" pitchFamily="34" charset="0"/>
-              </a:rPr>
-              <a:t># Si no es </a:t>
-            </a:r>
-            <a:r>
-              <a:rPr lang="en-US" b="1" dirty="0" err="1">
-                <a:solidFill>
-                  <a:schemeClr val="tx1">
-                    <a:lumMod val="50000"/>
-                    <a:lumOff val="50000"/>
-                  </a:schemeClr>
-                </a:solidFill>
-                <a:latin typeface="Arial" pitchFamily="34" charset="0"/>
-                <a:cs typeface="Arial" pitchFamily="34" charset="0"/>
-              </a:rPr>
-              <a:t>letra</a:t>
-            </a:r>
-            <a:r>
-              <a:rPr lang="en-US" b="1" dirty="0">
-                <a:solidFill>
-                  <a:schemeClr val="tx1">
-                    <a:lumMod val="50000"/>
-                    <a:lumOff val="50000"/>
-                  </a:schemeClr>
-                </a:solidFill>
-                <a:latin typeface="Arial" pitchFamily="34" charset="0"/>
-                <a:cs typeface="Arial" pitchFamily="34" charset="0"/>
-              </a:rPr>
-              <a:t> (</a:t>
-            </a:r>
-            <a:r>
-              <a:rPr lang="en-US" b="1" dirty="0" err="1">
-                <a:solidFill>
-                  <a:schemeClr val="tx1">
-                    <a:lumMod val="50000"/>
-                    <a:lumOff val="50000"/>
-                  </a:schemeClr>
-                </a:solidFill>
-                <a:latin typeface="Arial" pitchFamily="34" charset="0"/>
-                <a:cs typeface="Arial" pitchFamily="34" charset="0"/>
-              </a:rPr>
-              <a:t>si</a:t>
-            </a:r>
-            <a:r>
-              <a:rPr lang="en-US" b="1" dirty="0">
-                <a:solidFill>
-                  <a:schemeClr val="tx1">
-                    <a:lumMod val="50000"/>
-                    <a:lumOff val="50000"/>
-                  </a:schemeClr>
-                </a:solidFill>
-                <a:latin typeface="Arial" pitchFamily="34" charset="0"/>
-                <a:cs typeface="Arial" pitchFamily="34" charset="0"/>
-              </a:rPr>
-              <a:t> es fin de </a:t>
-            </a:r>
-            <a:r>
-              <a:rPr lang="en-US" b="1" dirty="0" err="1">
-                <a:solidFill>
-                  <a:schemeClr val="tx1">
-                    <a:lumMod val="50000"/>
-                    <a:lumOff val="50000"/>
-                  </a:schemeClr>
-                </a:solidFill>
-                <a:latin typeface="Arial" pitchFamily="34" charset="0"/>
-                <a:cs typeface="Arial" pitchFamily="34" charset="0"/>
-              </a:rPr>
-              <a:t>archivo</a:t>
-            </a:r>
-            <a:r>
-              <a:rPr lang="en-US" b="1" dirty="0">
-                <a:solidFill>
-                  <a:schemeClr val="tx1">
-                    <a:lumMod val="50000"/>
-                    <a:lumOff val="50000"/>
-                  </a:schemeClr>
-                </a:solidFill>
-                <a:latin typeface="Arial" pitchFamily="34" charset="0"/>
-                <a:cs typeface="Arial" pitchFamily="34" charset="0"/>
-              </a:rPr>
-              <a:t>) o</a:t>
-            </a:r>
-          </a:p>
-          <a:p>
-            <a:r>
-              <a:rPr lang="es-ES" sz="1800" b="1" dirty="0">
-                <a:solidFill>
-                  <a:schemeClr val="bg2">
-                    <a:lumMod val="25000"/>
-                  </a:schemeClr>
-                </a:solidFill>
-                <a:latin typeface="Arial" pitchFamily="34" charset="0"/>
-                <a:cs typeface="Arial" pitchFamily="34" charset="0"/>
-              </a:rPr>
-              <a:t>                             </a:t>
-            </a:r>
-            <a:r>
-              <a:rPr lang="es-ES" sz="1800" b="1" dirty="0" err="1">
-                <a:solidFill>
-                  <a:schemeClr val="bg2">
-                    <a:lumMod val="25000"/>
-                  </a:schemeClr>
-                </a:solidFill>
-                <a:latin typeface="Arial" pitchFamily="34" charset="0"/>
-                <a:cs typeface="Arial" pitchFamily="34" charset="0"/>
-              </a:rPr>
-              <a:t>if</a:t>
-            </a:r>
-            <a:r>
-              <a:rPr lang="es-ES" sz="1800" b="1" dirty="0">
-                <a:solidFill>
-                  <a:schemeClr val="bg2">
-                    <a:lumMod val="25000"/>
-                  </a:schemeClr>
-                </a:solidFill>
-                <a:latin typeface="Arial" pitchFamily="34" charset="0"/>
-                <a:cs typeface="Arial" pitchFamily="34" charset="0"/>
-              </a:rPr>
-              <a:t> </a:t>
-            </a:r>
-            <a:r>
-              <a:rPr lang="es-ES" sz="1800" b="1" dirty="0">
-                <a:solidFill>
-                  <a:srgbClr val="0070C0"/>
-                </a:solidFill>
-                <a:latin typeface="Arial" pitchFamily="34" charset="0"/>
-                <a:cs typeface="Arial" pitchFamily="34" charset="0"/>
-              </a:rPr>
-              <a:t>letra</a:t>
-            </a:r>
-            <a:r>
-              <a:rPr lang="es-ES" sz="1800" b="1" dirty="0">
-                <a:solidFill>
-                  <a:schemeClr val="bg2">
-                    <a:lumMod val="25000"/>
-                  </a:schemeClr>
-                </a:solidFill>
-                <a:latin typeface="Arial" pitchFamily="34" charset="0"/>
-                <a:cs typeface="Arial" pitchFamily="34" charset="0"/>
-              </a:rPr>
-              <a:t> == '': </a:t>
-            </a:r>
-            <a:r>
-              <a:rPr lang="es-ES" sz="1800" b="1" dirty="0">
-                <a:solidFill>
-                  <a:schemeClr val="tx1">
-                    <a:lumMod val="50000"/>
-                    <a:lumOff val="50000"/>
-                  </a:schemeClr>
-                </a:solidFill>
-                <a:latin typeface="Arial" pitchFamily="34" charset="0"/>
-                <a:cs typeface="Arial" pitchFamily="34" charset="0"/>
-              </a:rPr>
-              <a:t># Si la letra es igual a vacío.</a:t>
-            </a:r>
-          </a:p>
-          <a:p>
-            <a:r>
-              <a:rPr lang="es-ES" b="1" dirty="0">
-                <a:solidFill>
-                  <a:schemeClr val="bg2">
-                    <a:lumMod val="25000"/>
-                  </a:schemeClr>
-                </a:solidFill>
-                <a:latin typeface="Arial" pitchFamily="34" charset="0"/>
-                <a:cs typeface="Arial" pitchFamily="34" charset="0"/>
-              </a:rPr>
-              <a:t>            			</a:t>
-            </a:r>
-            <a:r>
-              <a:rPr lang="es-ES" b="1" dirty="0">
-                <a:solidFill>
-                  <a:schemeClr val="tx1">
-                    <a:lumMod val="95000"/>
-                    <a:lumOff val="5000"/>
-                  </a:schemeClr>
-                </a:solidFill>
-                <a:latin typeface="Arial" pitchFamily="34" charset="0"/>
-                <a:cs typeface="Arial" pitchFamily="34" charset="0"/>
-              </a:rPr>
-              <a:t>continua = False</a:t>
-            </a:r>
-          </a:p>
-          <a:p>
-            <a:r>
-              <a:rPr lang="es-ES" b="1" dirty="0">
-                <a:solidFill>
-                  <a:schemeClr val="tx1">
-                    <a:lumMod val="95000"/>
-                    <a:lumOff val="5000"/>
-                  </a:schemeClr>
-                </a:solidFill>
-                <a:latin typeface="Arial" pitchFamily="34" charset="0"/>
-                <a:cs typeface="Arial" pitchFamily="34" charset="0"/>
-              </a:rPr>
-              <a:t>		</a:t>
-            </a:r>
-            <a:r>
-              <a:rPr lang="es-ES" b="1" dirty="0" err="1">
-                <a:solidFill>
-                  <a:schemeClr val="tx1">
-                    <a:lumMod val="95000"/>
-                    <a:lumOff val="5000"/>
-                  </a:schemeClr>
-                </a:solidFill>
-                <a:latin typeface="Arial" pitchFamily="34" charset="0"/>
-                <a:cs typeface="Arial" pitchFamily="34" charset="0"/>
-              </a:rPr>
-              <a:t>else</a:t>
-            </a:r>
-            <a:r>
-              <a:rPr lang="es-ES" b="1" dirty="0">
-                <a:solidFill>
-                  <a:schemeClr val="tx1">
-                    <a:lumMod val="95000"/>
-                    <a:lumOff val="5000"/>
-                  </a:schemeClr>
-                </a:solidFill>
-                <a:latin typeface="Arial" pitchFamily="34" charset="0"/>
-                <a:cs typeface="Arial" pitchFamily="34" charset="0"/>
-              </a:rPr>
-              <a:t>:</a:t>
-            </a:r>
-          </a:p>
-          <a:p>
-            <a:r>
-              <a:rPr lang="es-ES" b="1" dirty="0">
-                <a:solidFill>
-                  <a:schemeClr val="tx1">
-                    <a:lumMod val="95000"/>
-                    <a:lumOff val="5000"/>
-                  </a:schemeClr>
-                </a:solidFill>
-                <a:latin typeface="Arial" pitchFamily="34" charset="0"/>
-                <a:cs typeface="Arial" pitchFamily="34" charset="0"/>
-              </a:rPr>
-              <a:t>			</a:t>
-            </a:r>
-            <a:r>
-              <a:rPr lang="es-ES" b="1" dirty="0" err="1">
-                <a:solidFill>
-                  <a:schemeClr val="tx1">
-                    <a:lumMod val="95000"/>
-                    <a:lumOff val="5000"/>
-                  </a:schemeClr>
-                </a:solidFill>
-                <a:latin typeface="Arial" pitchFamily="34" charset="0"/>
-                <a:cs typeface="Arial" pitchFamily="34" charset="0"/>
-              </a:rPr>
-              <a:t>cont</a:t>
-            </a:r>
-            <a:r>
-              <a:rPr lang="es-ES" b="1" dirty="0">
-                <a:solidFill>
-                  <a:schemeClr val="tx1">
-                    <a:lumMod val="95000"/>
-                    <a:lumOff val="5000"/>
-                  </a:schemeClr>
-                </a:solidFill>
-                <a:latin typeface="Arial" pitchFamily="34" charset="0"/>
-                <a:cs typeface="Arial" pitchFamily="34" charset="0"/>
-              </a:rPr>
-              <a:t> = </a:t>
-            </a:r>
-            <a:r>
-              <a:rPr lang="es-ES" b="1" dirty="0" err="1">
-                <a:solidFill>
-                  <a:schemeClr val="tx1">
-                    <a:lumMod val="95000"/>
-                    <a:lumOff val="5000"/>
-                  </a:schemeClr>
-                </a:solidFill>
-                <a:latin typeface="Arial" pitchFamily="34" charset="0"/>
-                <a:cs typeface="Arial" pitchFamily="34" charset="0"/>
-              </a:rPr>
-              <a:t>cont</a:t>
-            </a:r>
-            <a:r>
-              <a:rPr lang="es-ES" b="1" dirty="0">
-                <a:solidFill>
-                  <a:schemeClr val="tx1">
-                    <a:lumMod val="95000"/>
-                    <a:lumOff val="5000"/>
-                  </a:schemeClr>
-                </a:solidFill>
-                <a:latin typeface="Arial" pitchFamily="34" charset="0"/>
-                <a:cs typeface="Arial" pitchFamily="34" charset="0"/>
-              </a:rPr>
-              <a:t> + 1</a:t>
-            </a:r>
-          </a:p>
-          <a:p>
-            <a:r>
-              <a:rPr lang="es-ES" b="1" dirty="0">
-                <a:solidFill>
-                  <a:schemeClr val="tx1">
-                    <a:lumMod val="95000"/>
-                    <a:lumOff val="5000"/>
-                  </a:schemeClr>
-                </a:solidFill>
-                <a:latin typeface="Arial" pitchFamily="34" charset="0"/>
-                <a:cs typeface="Arial" pitchFamily="34" charset="0"/>
-              </a:rPr>
-              <a:t>	</a:t>
-            </a:r>
-            <a:r>
-              <a:rPr lang="es-ES" b="1" dirty="0" err="1">
-                <a:solidFill>
-                  <a:schemeClr val="tx1">
-                    <a:lumMod val="95000"/>
-                    <a:lumOff val="5000"/>
-                  </a:schemeClr>
-                </a:solidFill>
-                <a:latin typeface="Arial" pitchFamily="34" charset="0"/>
-                <a:cs typeface="Arial" pitchFamily="34" charset="0"/>
-              </a:rPr>
-              <a:t>return</a:t>
-            </a:r>
-            <a:r>
-              <a:rPr lang="es-ES" b="1" dirty="0">
-                <a:solidFill>
-                  <a:schemeClr val="tx1">
-                    <a:lumMod val="95000"/>
-                    <a:lumOff val="5000"/>
-                  </a:schemeClr>
-                </a:solidFill>
-                <a:latin typeface="Arial" pitchFamily="34" charset="0"/>
-                <a:cs typeface="Arial" pitchFamily="34" charset="0"/>
-              </a:rPr>
-              <a:t> </a:t>
-            </a:r>
-            <a:r>
-              <a:rPr lang="es-ES" b="1" dirty="0" err="1">
-                <a:solidFill>
-                  <a:schemeClr val="tx1">
-                    <a:lumMod val="95000"/>
-                    <a:lumOff val="5000"/>
-                  </a:schemeClr>
-                </a:solidFill>
-                <a:latin typeface="Arial" pitchFamily="34" charset="0"/>
-                <a:cs typeface="Arial" pitchFamily="34" charset="0"/>
-              </a:rPr>
-              <a:t>cont</a:t>
-            </a:r>
-            <a:endParaRPr lang="es-ES" b="1" dirty="0">
-              <a:solidFill>
-                <a:schemeClr val="tx1">
-                  <a:lumMod val="95000"/>
-                  <a:lumOff val="5000"/>
-                </a:schemeClr>
-              </a:solidFill>
-              <a:latin typeface="Arial" pitchFamily="34" charset="0"/>
-              <a:cs typeface="Arial" pitchFamily="34" charset="0"/>
-            </a:endParaRPr>
-          </a:p>
-          <a:p>
-            <a:r>
-              <a:rPr lang="es-ES" b="1" dirty="0">
-                <a:solidFill>
-                  <a:schemeClr val="accent6">
-                    <a:lumMod val="75000"/>
-                  </a:schemeClr>
-                </a:solidFill>
-                <a:latin typeface="Arial" pitchFamily="34" charset="0"/>
-                <a:cs typeface="Arial" pitchFamily="34" charset="0"/>
-              </a:rPr>
-              <a:t>	</a:t>
-            </a:r>
-            <a:r>
-              <a:rPr lang="es-ES" b="1" dirty="0" err="1">
-                <a:solidFill>
-                  <a:schemeClr val="accent6">
-                    <a:lumMod val="75000"/>
-                  </a:schemeClr>
-                </a:solidFill>
-                <a:latin typeface="Arial" pitchFamily="34" charset="0"/>
-                <a:cs typeface="Arial" pitchFamily="34" charset="0"/>
-              </a:rPr>
-              <a:t>file.close</a:t>
-            </a:r>
-            <a:r>
-              <a:rPr lang="es-ES" b="1" dirty="0">
-                <a:solidFill>
-                  <a:schemeClr val="accent6">
-                    <a:lumMod val="75000"/>
-                  </a:schemeClr>
-                </a:solidFill>
-                <a:latin typeface="Arial" pitchFamily="34" charset="0"/>
-                <a:cs typeface="Arial" pitchFamily="34" charset="0"/>
-              </a:rPr>
-              <a:t>()</a:t>
-            </a:r>
-          </a:p>
-          <a:p>
-            <a:r>
-              <a:rPr lang="es-ES" b="1" dirty="0">
-                <a:solidFill>
-                  <a:schemeClr val="bg2">
-                    <a:lumMod val="25000"/>
-                  </a:schemeClr>
-                </a:solidFill>
-                <a:latin typeface="Arial" pitchFamily="34" charset="0"/>
-                <a:cs typeface="Arial" pitchFamily="34" charset="0"/>
-              </a:rPr>
-              <a:t>	</a:t>
-            </a:r>
-            <a:endParaRPr lang="es-ES" b="1" dirty="0">
-              <a:solidFill>
-                <a:schemeClr val="tx1">
-                  <a:lumMod val="95000"/>
-                  <a:lumOff val="5000"/>
-                </a:schemeClr>
-              </a:solidFill>
-              <a:latin typeface="Arial" pitchFamily="34" charset="0"/>
-              <a:cs typeface="Arial" pitchFamily="34" charset="0"/>
-            </a:endParaRPr>
-          </a:p>
-          <a:p>
-            <a:r>
-              <a:rPr lang="es-ES" b="1" dirty="0" err="1">
-                <a:solidFill>
-                  <a:schemeClr val="bg2">
-                    <a:lumMod val="25000"/>
-                  </a:schemeClr>
-                </a:solidFill>
-                <a:latin typeface="Arial" pitchFamily="34" charset="0"/>
-                <a:cs typeface="Arial" pitchFamily="34" charset="0"/>
-              </a:rPr>
-              <a:t>def</a:t>
-            </a:r>
-            <a:r>
-              <a:rPr lang="es-ES" b="1" dirty="0">
-                <a:solidFill>
-                  <a:schemeClr val="bg2">
-                    <a:lumMod val="25000"/>
-                  </a:schemeClr>
-                </a:solidFill>
-                <a:latin typeface="Arial" pitchFamily="34" charset="0"/>
-                <a:cs typeface="Arial" pitchFamily="34" charset="0"/>
-              </a:rPr>
-              <a:t> </a:t>
-            </a:r>
-            <a:r>
-              <a:rPr lang="es-ES" b="1" dirty="0" err="1">
-                <a:solidFill>
-                  <a:srgbClr val="FF0000"/>
-                </a:solidFill>
-                <a:latin typeface="Arial" pitchFamily="34" charset="0"/>
-                <a:cs typeface="Arial" pitchFamily="34" charset="0"/>
-              </a:rPr>
-              <a:t>main</a:t>
-            </a:r>
-            <a:r>
-              <a:rPr lang="es-ES" b="1" dirty="0">
-                <a:solidFill>
-                  <a:schemeClr val="bg2">
-                    <a:lumMod val="25000"/>
-                  </a:schemeClr>
-                </a:solidFill>
-                <a:latin typeface="Arial" pitchFamily="34" charset="0"/>
-                <a:cs typeface="Arial" pitchFamily="34" charset="0"/>
-              </a:rPr>
-              <a:t>():</a:t>
-            </a:r>
-          </a:p>
-          <a:p>
-            <a:r>
-              <a:rPr lang="es-ES" dirty="0">
-                <a:solidFill>
-                  <a:schemeClr val="tx1">
-                    <a:lumMod val="95000"/>
-                    <a:lumOff val="5000"/>
-                  </a:schemeClr>
-                </a:solidFill>
-                <a:latin typeface="Arial" pitchFamily="34" charset="0"/>
-                <a:cs typeface="Arial" pitchFamily="34" charset="0"/>
-              </a:rPr>
-              <a:t>	nombre = </a:t>
-            </a:r>
-            <a:r>
-              <a:rPr lang="es-ES" dirty="0" err="1">
-                <a:solidFill>
-                  <a:schemeClr val="tx1">
-                    <a:lumMod val="95000"/>
-                    <a:lumOff val="5000"/>
-                  </a:schemeClr>
-                </a:solidFill>
-                <a:latin typeface="Arial" pitchFamily="34" charset="0"/>
-                <a:cs typeface="Arial" pitchFamily="34" charset="0"/>
-              </a:rPr>
-              <a:t>str</a:t>
-            </a:r>
-            <a:r>
-              <a:rPr lang="es-ES" dirty="0">
-                <a:solidFill>
-                  <a:schemeClr val="tx1">
-                    <a:lumMod val="95000"/>
-                    <a:lumOff val="5000"/>
-                  </a:schemeClr>
-                </a:solidFill>
-                <a:latin typeface="Arial" pitchFamily="34" charset="0"/>
-                <a:cs typeface="Arial" pitchFamily="34" charset="0"/>
-              </a:rPr>
-              <a:t>(input("Introduce el nombre del archivo: "))</a:t>
-            </a:r>
-          </a:p>
-          <a:p>
-            <a:r>
-              <a:rPr lang="es-ES" b="1" dirty="0">
-                <a:solidFill>
-                  <a:schemeClr val="accent6">
-                    <a:lumMod val="75000"/>
-                  </a:schemeClr>
-                </a:solidFill>
-                <a:latin typeface="Arial" pitchFamily="34" charset="0"/>
-                <a:cs typeface="Arial" pitchFamily="34" charset="0"/>
-              </a:rPr>
-              <a:t>	res</a:t>
-            </a:r>
-            <a:r>
-              <a:rPr lang="es-ES" dirty="0">
-                <a:solidFill>
-                  <a:schemeClr val="tx1">
-                    <a:lumMod val="95000"/>
-                    <a:lumOff val="5000"/>
-                  </a:schemeClr>
-                </a:solidFill>
-                <a:latin typeface="Arial" pitchFamily="34" charset="0"/>
-                <a:cs typeface="Arial" pitchFamily="34" charset="0"/>
-              </a:rPr>
-              <a:t> = </a:t>
-            </a:r>
-            <a:r>
-              <a:rPr lang="es-ES" b="1" dirty="0" err="1">
-                <a:solidFill>
-                  <a:srgbClr val="FF0000"/>
-                </a:solidFill>
-                <a:latin typeface="Arial" pitchFamily="34" charset="0"/>
-                <a:cs typeface="Arial" pitchFamily="34" charset="0"/>
-              </a:rPr>
-              <a:t>cuenta_caracteres</a:t>
-            </a:r>
-            <a:r>
-              <a:rPr lang="es-ES" b="1" dirty="0">
-                <a:solidFill>
-                  <a:srgbClr val="FF0000"/>
-                </a:solidFill>
-                <a:latin typeface="Arial" pitchFamily="34" charset="0"/>
-                <a:cs typeface="Arial" pitchFamily="34" charset="0"/>
-              </a:rPr>
-              <a:t> </a:t>
-            </a:r>
-            <a:r>
-              <a:rPr lang="es-ES" b="1" dirty="0">
-                <a:solidFill>
-                  <a:schemeClr val="tx1">
-                    <a:lumMod val="95000"/>
-                    <a:lumOff val="5000"/>
-                  </a:schemeClr>
-                </a:solidFill>
-                <a:latin typeface="Arial" pitchFamily="34" charset="0"/>
-                <a:cs typeface="Arial" pitchFamily="34" charset="0"/>
-              </a:rPr>
-              <a:t>(nombre)</a:t>
-            </a:r>
-          </a:p>
-          <a:p>
-            <a:r>
-              <a:rPr lang="es-ES" dirty="0">
-                <a:solidFill>
-                  <a:schemeClr val="tx1">
-                    <a:lumMod val="95000"/>
-                    <a:lumOff val="5000"/>
-                  </a:schemeClr>
-                </a:solidFill>
-                <a:latin typeface="Arial" pitchFamily="34" charset="0"/>
-                <a:cs typeface="Arial" pitchFamily="34" charset="0"/>
-              </a:rPr>
-              <a:t>	</a:t>
-            </a:r>
-            <a:r>
-              <a:rPr lang="es-ES" dirty="0" err="1">
-                <a:solidFill>
-                  <a:schemeClr val="tx1">
-                    <a:lumMod val="95000"/>
-                    <a:lumOff val="5000"/>
-                  </a:schemeClr>
-                </a:solidFill>
-                <a:latin typeface="Arial" pitchFamily="34" charset="0"/>
-                <a:cs typeface="Arial" pitchFamily="34" charset="0"/>
-              </a:rPr>
-              <a:t>print</a:t>
-            </a:r>
-            <a:r>
-              <a:rPr lang="es-ES" dirty="0">
-                <a:solidFill>
-                  <a:schemeClr val="tx1">
-                    <a:lumMod val="95000"/>
-                    <a:lumOff val="5000"/>
-                  </a:schemeClr>
-                </a:solidFill>
-                <a:latin typeface="Arial" pitchFamily="34" charset="0"/>
-                <a:cs typeface="Arial" pitchFamily="34" charset="0"/>
-              </a:rPr>
-              <a:t>(</a:t>
-            </a:r>
-            <a:r>
-              <a:rPr lang="es-MX" dirty="0">
-                <a:solidFill>
-                  <a:schemeClr val="tx1">
-                    <a:lumMod val="95000"/>
-                    <a:lumOff val="5000"/>
-                  </a:schemeClr>
-                </a:solidFill>
-                <a:latin typeface="Arial" panose="020B0604020202020204" pitchFamily="34" charset="0"/>
-                <a:cs typeface="Arial" panose="020B0604020202020204" pitchFamily="34" charset="0"/>
-              </a:rPr>
-              <a:t>"El archivo tiene %i caracteres" % </a:t>
-            </a:r>
-            <a:r>
-              <a:rPr lang="es-MX" b="1" dirty="0">
-                <a:solidFill>
-                  <a:schemeClr val="accent6">
-                    <a:lumMod val="75000"/>
-                  </a:schemeClr>
-                </a:solidFill>
-                <a:latin typeface="Arial" panose="020B0604020202020204" pitchFamily="34" charset="0"/>
-                <a:cs typeface="Arial" panose="020B0604020202020204" pitchFamily="34" charset="0"/>
-              </a:rPr>
-              <a:t>res</a:t>
-            </a:r>
-            <a:r>
-              <a:rPr lang="es-MX" dirty="0">
-                <a:solidFill>
-                  <a:schemeClr val="tx1">
-                    <a:lumMod val="95000"/>
-                    <a:lumOff val="5000"/>
-                  </a:schemeClr>
-                </a:solidFill>
-                <a:latin typeface="Arial" panose="020B0604020202020204" pitchFamily="34" charset="0"/>
-                <a:cs typeface="Arial" panose="020B0604020202020204" pitchFamily="34" charset="0"/>
-              </a:rPr>
-              <a:t>) </a:t>
-            </a:r>
-          </a:p>
-          <a:p>
-            <a:endParaRPr lang="es-MX" dirty="0">
-              <a:solidFill>
-                <a:schemeClr val="tx1">
-                  <a:lumMod val="95000"/>
-                  <a:lumOff val="5000"/>
-                </a:schemeClr>
-              </a:solidFill>
-              <a:latin typeface="Arial" panose="020B0604020202020204" pitchFamily="34" charset="0"/>
-              <a:cs typeface="Arial" panose="020B0604020202020204" pitchFamily="34" charset="0"/>
-            </a:endParaRPr>
-          </a:p>
-          <a:p>
-            <a:r>
-              <a:rPr lang="es-MX" b="1" dirty="0" err="1">
-                <a:solidFill>
-                  <a:schemeClr val="tx1">
-                    <a:lumMod val="95000"/>
-                    <a:lumOff val="5000"/>
-                  </a:schemeClr>
-                </a:solidFill>
-                <a:latin typeface="Arial" panose="020B0604020202020204" pitchFamily="34" charset="0"/>
-                <a:cs typeface="Arial" panose="020B0604020202020204" pitchFamily="34" charset="0"/>
-              </a:rPr>
-              <a:t>main</a:t>
-            </a:r>
-            <a:r>
-              <a:rPr lang="es-MX" b="1" dirty="0">
-                <a:solidFill>
-                  <a:schemeClr val="tx1">
-                    <a:lumMod val="95000"/>
-                    <a:lumOff val="5000"/>
-                  </a:schemeClr>
-                </a:solidFill>
-                <a:latin typeface="Arial" panose="020B0604020202020204" pitchFamily="34" charset="0"/>
-                <a:cs typeface="Arial" panose="020B0604020202020204" pitchFamily="34" charset="0"/>
-              </a:rPr>
-              <a:t>()</a:t>
-            </a:r>
-            <a:endParaRPr lang="es-ES" b="1" dirty="0">
-              <a:solidFill>
-                <a:schemeClr val="tx1">
-                  <a:lumMod val="95000"/>
-                  <a:lumOff val="5000"/>
-                </a:schemeClr>
-              </a:solidFill>
-              <a:latin typeface="Arial" pitchFamily="34" charset="0"/>
-              <a:cs typeface="Arial" pitchFamily="34" charset="0"/>
-            </a:endParaRPr>
-          </a:p>
-        </p:txBody>
-      </p:sp>
-      <p:pic>
-        <p:nvPicPr>
-          <p:cNvPr id="5" name="1 Imagen">
-            <a:extLst>
-              <a:ext uri="{FF2B5EF4-FFF2-40B4-BE49-F238E27FC236}">
-                <a16:creationId xmlns:a16="http://schemas.microsoft.com/office/drawing/2014/main" id="{7732A64E-0EC7-49E5-9A00-CC36069B046B}"/>
-              </a:ext>
-            </a:extLst>
-          </p:cNvPr>
-          <p:cNvPicPr>
-            <a:picLocks noChangeAspect="1"/>
-          </p:cNvPicPr>
-          <p:nvPr/>
-        </p:nvPicPr>
-        <p:blipFill>
-          <a:blip r:embed="rId3">
-            <a:extLst>
-              <a:ext uri="{28A0092B-C50C-407E-A947-70E740481C1C}">
-                <a14:useLocalDpi xmlns:a14="http://schemas.microsoft.com/office/drawing/2010/main" val="0"/>
-              </a:ext>
-            </a:extLst>
-          </a:blip>
-          <a:stretch>
-            <a:fillRect/>
-          </a:stretch>
-        </p:blipFill>
-        <p:spPr>
-          <a:xfrm>
-            <a:off x="6805288" y="963283"/>
-            <a:ext cx="1583656" cy="1469723"/>
-          </a:xfrm>
-          <a:prstGeom prst="rect">
-            <a:avLst/>
-          </a:prstGeom>
-        </p:spPr>
-      </p:pic>
-    </p:spTree>
-    <p:extLst>
-      <p:ext uri="{BB962C8B-B14F-4D97-AF65-F5344CB8AC3E}">
-        <p14:creationId xmlns:p14="http://schemas.microsoft.com/office/powerpoint/2010/main" val="3243277990"/>
-      </p:ext>
-    </p:extLst>
-  </p:cSld>
-  <p:clrMapOvr>
-    <a:masterClrMapping/>
-  </p:clrMapOvr>
-</p:sld>
-</file>
-
-<file path=ppt/slides/slide24.xml><?xml version="1.0" encoding="utf-8"?>
 <p:sld xmlns:a="http://schemas.openxmlformats.org/drawingml/2006/main" xmlns:r="http://schemas.openxmlformats.org/officeDocument/2006/relationships" xmlns:p="http://schemas.openxmlformats.org/presentationml/2006/main">
   <p:cSld>
     <p:spTree>
